--- a/PPT-2020/ch08 句法分析.pptx
+++ b/PPT-2020/ch08 句法分析.pptx
@@ -393,7 +393,7 @@
           <a:p>
             <a:fld id="{B161E7BD-2304-4CFF-AC2E-DAADCB15FF3C}" type="datetimeFigureOut">
               <a:rPr lang="zh-CN" altLang="en-US" smtClean="0"/>
-              <a:t>2020/6/29</a:t>
+              <a:t>2020/6/30</a:t>
             </a:fld>
             <a:endParaRPr lang="zh-CN" altLang="en-US"/>
           </a:p>
@@ -807,7 +807,7 @@
           <a:p>
             <a:fld id="{B161E7BD-2304-4CFF-AC2E-DAADCB15FF3C}" type="datetimeFigureOut">
               <a:rPr lang="zh-CN" altLang="en-US" smtClean="0"/>
-              <a:t>2020/6/29</a:t>
+              <a:t>2020/6/30</a:t>
             </a:fld>
             <a:endParaRPr lang="zh-CN" altLang="en-US"/>
           </a:p>
@@ -1143,7 +1143,7 @@
           <a:p>
             <a:fld id="{B161E7BD-2304-4CFF-AC2E-DAADCB15FF3C}" type="datetimeFigureOut">
               <a:rPr lang="zh-CN" altLang="en-US" smtClean="0"/>
-              <a:t>2020/6/29</a:t>
+              <a:t>2020/6/30</a:t>
             </a:fld>
             <a:endParaRPr lang="zh-CN" altLang="en-US"/>
           </a:p>
@@ -1548,7 +1548,7 @@
           <a:p>
             <a:fld id="{B161E7BD-2304-4CFF-AC2E-DAADCB15FF3C}" type="datetimeFigureOut">
               <a:rPr lang="zh-CN" altLang="en-US" smtClean="0"/>
-              <a:t>2020/6/29</a:t>
+              <a:t>2020/6/30</a:t>
             </a:fld>
             <a:endParaRPr lang="zh-CN" altLang="en-US"/>
           </a:p>
@@ -2116,7 +2116,7 @@
           <a:p>
             <a:fld id="{B161E7BD-2304-4CFF-AC2E-DAADCB15FF3C}" type="datetimeFigureOut">
               <a:rPr lang="zh-CN" altLang="en-US" smtClean="0"/>
-              <a:t>2020/6/29</a:t>
+              <a:t>2020/6/30</a:t>
             </a:fld>
             <a:endParaRPr lang="zh-CN" altLang="en-US"/>
           </a:p>
@@ -2797,7 +2797,7 @@
           <a:p>
             <a:fld id="{B161E7BD-2304-4CFF-AC2E-DAADCB15FF3C}" type="datetimeFigureOut">
               <a:rPr lang="zh-CN" altLang="en-US" smtClean="0"/>
-              <a:t>2020/6/29</a:t>
+              <a:t>2020/6/30</a:t>
             </a:fld>
             <a:endParaRPr lang="zh-CN" altLang="en-US"/>
           </a:p>
@@ -3710,7 +3710,7 @@
           <a:p>
             <a:fld id="{B161E7BD-2304-4CFF-AC2E-DAADCB15FF3C}" type="datetimeFigureOut">
               <a:rPr lang="zh-CN" altLang="en-US" smtClean="0"/>
-              <a:t>2020/6/29</a:t>
+              <a:t>2020/6/30</a:t>
             </a:fld>
             <a:endParaRPr lang="zh-CN" altLang="en-US"/>
           </a:p>
@@ -4023,7 +4023,7 @@
           <a:p>
             <a:fld id="{B161E7BD-2304-4CFF-AC2E-DAADCB15FF3C}" type="datetimeFigureOut">
               <a:rPr lang="zh-CN" altLang="en-US" smtClean="0"/>
-              <a:t>2020/6/29</a:t>
+              <a:t>2020/6/30</a:t>
             </a:fld>
             <a:endParaRPr lang="zh-CN" altLang="en-US"/>
           </a:p>
@@ -4287,7 +4287,7 @@
           <a:p>
             <a:fld id="{B161E7BD-2304-4CFF-AC2E-DAADCB15FF3C}" type="datetimeFigureOut">
               <a:rPr lang="zh-CN" altLang="en-US" smtClean="0"/>
-              <a:t>2020/6/29</a:t>
+              <a:t>2020/6/30</a:t>
             </a:fld>
             <a:endParaRPr lang="zh-CN" altLang="en-US"/>
           </a:p>
@@ -4610,7 +4610,7 @@
           <a:p>
             <a:fld id="{B161E7BD-2304-4CFF-AC2E-DAADCB15FF3C}" type="datetimeFigureOut">
               <a:rPr lang="zh-CN" altLang="en-US" smtClean="0"/>
-              <a:t>2020/6/29</a:t>
+              <a:t>2020/6/30</a:t>
             </a:fld>
             <a:endParaRPr lang="zh-CN" altLang="en-US"/>
           </a:p>
@@ -4999,7 +4999,7 @@
           <a:p>
             <a:fld id="{B161E7BD-2304-4CFF-AC2E-DAADCB15FF3C}" type="datetimeFigureOut">
               <a:rPr lang="zh-CN" altLang="en-US" smtClean="0"/>
-              <a:t>2020/6/29</a:t>
+              <a:t>2020/6/30</a:t>
             </a:fld>
             <a:endParaRPr lang="zh-CN" altLang="en-US"/>
           </a:p>
@@ -5375,7 +5375,7 @@
           <a:p>
             <a:fld id="{B161E7BD-2304-4CFF-AC2E-DAADCB15FF3C}" type="datetimeFigureOut">
               <a:rPr lang="zh-CN" altLang="en-US" smtClean="0"/>
-              <a:t>2020/6/29</a:t>
+              <a:t>2020/6/30</a:t>
             </a:fld>
             <a:endParaRPr lang="zh-CN" altLang="en-US"/>
           </a:p>
@@ -5881,7 +5881,7 @@
           <a:p>
             <a:fld id="{B161E7BD-2304-4CFF-AC2E-DAADCB15FF3C}" type="datetimeFigureOut">
               <a:rPr lang="zh-CN" altLang="en-US" smtClean="0"/>
-              <a:t>2020/6/29</a:t>
+              <a:t>2020/6/30</a:t>
             </a:fld>
             <a:endParaRPr lang="zh-CN" altLang="en-US"/>
           </a:p>
@@ -6138,7 +6138,7 @@
           <a:p>
             <a:fld id="{B161E7BD-2304-4CFF-AC2E-DAADCB15FF3C}" type="datetimeFigureOut">
               <a:rPr lang="zh-CN" altLang="en-US" smtClean="0"/>
-              <a:t>2020/6/29</a:t>
+              <a:t>2020/6/30</a:t>
             </a:fld>
             <a:endParaRPr lang="zh-CN" altLang="en-US"/>
           </a:p>
@@ -6301,7 +6301,7 @@
           <a:p>
             <a:fld id="{B161E7BD-2304-4CFF-AC2E-DAADCB15FF3C}" type="datetimeFigureOut">
               <a:rPr lang="zh-CN" altLang="en-US" smtClean="0"/>
-              <a:t>2020/6/29</a:t>
+              <a:t>2020/6/30</a:t>
             </a:fld>
             <a:endParaRPr lang="zh-CN" altLang="en-US"/>
           </a:p>
@@ -6691,7 +6691,7 @@
           <a:p>
             <a:fld id="{B161E7BD-2304-4CFF-AC2E-DAADCB15FF3C}" type="datetimeFigureOut">
               <a:rPr lang="zh-CN" altLang="en-US" smtClean="0"/>
-              <a:t>2020/6/29</a:t>
+              <a:t>2020/6/30</a:t>
             </a:fld>
             <a:endParaRPr lang="zh-CN" altLang="en-US"/>
           </a:p>
@@ -7100,7 +7100,7 @@
           <a:p>
             <a:fld id="{B161E7BD-2304-4CFF-AC2E-DAADCB15FF3C}" type="datetimeFigureOut">
               <a:rPr lang="zh-CN" altLang="en-US" smtClean="0"/>
-              <a:t>2020/6/29</a:t>
+              <a:t>2020/6/30</a:t>
             </a:fld>
             <a:endParaRPr lang="zh-CN" altLang="en-US"/>
           </a:p>
@@ -7344,7 +7344,7 @@
           <a:p>
             <a:fld id="{B161E7BD-2304-4CFF-AC2E-DAADCB15FF3C}" type="datetimeFigureOut">
               <a:rPr lang="zh-CN" altLang="en-US" smtClean="0"/>
-              <a:t>2020/6/29</a:t>
+              <a:t>2020/6/30</a:t>
             </a:fld>
             <a:endParaRPr lang="zh-CN" altLang="en-US"/>
           </a:p>
@@ -7958,8 +7958,8 @@
         </p:nvSpPr>
         <p:spPr>
           <a:xfrm>
-            <a:off x="680321" y="2336873"/>
-            <a:ext cx="9613861" cy="4115808"/>
+            <a:off x="680321" y="2120630"/>
+            <a:ext cx="9613861" cy="4559030"/>
           </a:xfrm>
         </p:spPr>
         <p:txBody>
@@ -7979,6 +7979,12 @@
               <a:rPr lang="zh-CN" altLang="en-US" dirty="0"/>
               <a:t>文法的表示</a:t>
             </a:r>
+            <a:endParaRPr lang="en-US" altLang="zh-CN" dirty="0"/>
+          </a:p>
+          <a:p>
+            <a:pPr marL="0" indent="0">
+              <a:buNone/>
+            </a:pPr>
             <a:br>
               <a:rPr lang="zh-CN" altLang="en-US" dirty="0"/>
             </a:br>
@@ -7990,6 +7996,12 @@
               <a:rPr lang="zh-CN" altLang="en-US" dirty="0"/>
               <a:t>自顶向下的句法分析</a:t>
             </a:r>
+            <a:endParaRPr lang="en-US" altLang="zh-CN" dirty="0"/>
+          </a:p>
+          <a:p>
+            <a:pPr marL="0" indent="0">
+              <a:buNone/>
+            </a:pPr>
             <a:br>
               <a:rPr lang="zh-CN" altLang="en-US" dirty="0"/>
             </a:br>
@@ -8001,81 +8013,33 @@
               <a:rPr lang="zh-CN" altLang="en-US" dirty="0"/>
               <a:t>自底向上的句法分析</a:t>
             </a:r>
+            <a:endParaRPr lang="en-US" altLang="zh-CN" dirty="0"/>
+          </a:p>
+          <a:p>
+            <a:pPr marL="0" indent="0">
+              <a:buNone/>
+            </a:pPr>
             <a:br>
               <a:rPr lang="zh-CN" altLang="en-US" dirty="0"/>
             </a:br>
             <a:r>
+              <a:rPr lang="en-US" altLang="zh-CN" dirty="0"/>
+              <a:t>8.4 </a:t>
+            </a:r>
+            <a:r>
               <a:rPr lang="zh-CN" altLang="en-US" dirty="0"/>
-              <a:t>　　</a:t>
-            </a:r>
-            <a:r>
-              <a:rPr lang="en-US" altLang="zh-CN" dirty="0"/>
-              <a:t>8.3.1 </a:t>
-            </a:r>
-            <a:r>
-              <a:rPr lang="zh-CN" altLang="en-US" dirty="0"/>
-              <a:t>移近一归约算法</a:t>
-            </a:r>
+              <a:t>概率上下文无关文法</a:t>
+            </a:r>
+            <a:endParaRPr lang="en-US" altLang="zh-CN" dirty="0"/>
+          </a:p>
+          <a:p>
+            <a:pPr marL="0" indent="0">
+              <a:buNone/>
+            </a:pPr>
             <a:br>
               <a:rPr lang="zh-CN" altLang="en-US" dirty="0"/>
             </a:br>
             <a:r>
-              <a:rPr lang="zh-CN" altLang="en-US" dirty="0"/>
-              <a:t>　　</a:t>
-            </a:r>
-            <a:r>
-              <a:rPr lang="en-US" altLang="zh-CN" dirty="0"/>
-              <a:t>8.3.2 </a:t>
-            </a:r>
-            <a:r>
-              <a:rPr lang="zh-CN" altLang="en-US" dirty="0"/>
-              <a:t>欧雷分析法</a:t>
-            </a:r>
-            <a:br>
-              <a:rPr lang="zh-CN" altLang="en-US" dirty="0"/>
-            </a:br>
-            <a:r>
-              <a:rPr lang="zh-CN" altLang="en-US" dirty="0"/>
-              <a:t>　　</a:t>
-            </a:r>
-            <a:r>
-              <a:rPr lang="en-US" altLang="zh-CN" dirty="0"/>
-              <a:t>8.3.3 </a:t>
-            </a:r>
-            <a:r>
-              <a:rPr lang="zh-CN" altLang="en-US" dirty="0"/>
-              <a:t>线图分析法</a:t>
-            </a:r>
-            <a:br>
-              <a:rPr lang="zh-CN" altLang="en-US" dirty="0"/>
-            </a:br>
-            <a:r>
-              <a:rPr lang="zh-CN" altLang="en-US" dirty="0"/>
-              <a:t>　　</a:t>
-            </a:r>
-            <a:r>
-              <a:rPr lang="en-US" altLang="zh-CN" dirty="0"/>
-              <a:t>8.3.4 CYK</a:t>
-            </a:r>
-            <a:r>
-              <a:rPr lang="zh-CN" altLang="en-US" dirty="0"/>
-              <a:t>分析法</a:t>
-            </a:r>
-            <a:br>
-              <a:rPr lang="zh-CN" altLang="en-US" dirty="0"/>
-            </a:br>
-            <a:r>
-              <a:rPr lang="en-US" altLang="zh-CN" dirty="0"/>
-              <a:t>8.4 </a:t>
-            </a:r>
-            <a:r>
-              <a:rPr lang="zh-CN" altLang="en-US" dirty="0"/>
-              <a:t>概率上下文无关文法</a:t>
-            </a:r>
-            <a:br>
-              <a:rPr lang="zh-CN" altLang="en-US" dirty="0"/>
-            </a:br>
-            <a:r>
               <a:rPr lang="en-US" altLang="zh-CN" dirty="0"/>
               <a:t>8.5 </a:t>
             </a:r>
@@ -8083,51 +8047,12 @@
               <a:rPr lang="zh-CN" altLang="en-US" dirty="0"/>
               <a:t>浅层句法分析</a:t>
             </a:r>
-            <a:br>
-              <a:rPr lang="zh-CN" altLang="en-US" dirty="0"/>
-            </a:br>
-            <a:r>
-              <a:rPr lang="zh-CN" altLang="en-US" dirty="0"/>
-              <a:t>　　</a:t>
-            </a:r>
-            <a:r>
-              <a:rPr lang="en-US" altLang="zh-CN" dirty="0"/>
-              <a:t>8.5.1 </a:t>
-            </a:r>
-            <a:r>
-              <a:rPr lang="zh-CN" altLang="en-US" dirty="0"/>
-              <a:t>问题的提出</a:t>
-            </a:r>
-            <a:br>
-              <a:rPr lang="zh-CN" altLang="en-US" dirty="0"/>
-            </a:br>
-            <a:r>
-              <a:rPr lang="zh-CN" altLang="en-US" dirty="0"/>
-              <a:t>　　</a:t>
-            </a:r>
-            <a:r>
-              <a:rPr lang="en-US" altLang="zh-CN" dirty="0"/>
-              <a:t>8.5.2 </a:t>
-            </a:r>
-            <a:r>
-              <a:rPr lang="zh-CN" altLang="en-US" dirty="0"/>
-              <a:t>基于规则的方法</a:t>
-            </a:r>
-            <a:br>
-              <a:rPr lang="zh-CN" altLang="en-US" dirty="0"/>
-            </a:br>
-            <a:r>
-              <a:rPr lang="zh-CN" altLang="en-US" dirty="0"/>
-              <a:t>　　</a:t>
-            </a:r>
-            <a:r>
-              <a:rPr lang="en-US" altLang="zh-CN" dirty="0"/>
-              <a:t>8.5.3 </a:t>
-            </a:r>
-            <a:r>
-              <a:rPr lang="zh-CN" altLang="en-US" dirty="0"/>
-              <a:t>基于统计的方法</a:t>
-            </a:r>
+            <a:endParaRPr lang="en-US" altLang="zh-CN" dirty="0"/>
+          </a:p>
+          <a:p>
+            <a:pPr marL="0" indent="0">
+              <a:buNone/>
+            </a:pPr>
             <a:br>
               <a:rPr lang="zh-CN" altLang="en-US" dirty="0"/>
             </a:br>
@@ -8432,14 +8357,6 @@
             <a:pPr marL="0" indent="0">
               <a:buNone/>
             </a:pPr>
-            <a:r>
-              <a:rPr lang="en-US" altLang="zh-CN" dirty="0"/>
-              <a:t>8.3 </a:t>
-            </a:r>
-            <a:r>
-              <a:rPr lang="zh-CN" altLang="en-US" dirty="0"/>
-              <a:t>自底向上的句法分析</a:t>
-            </a:r>
             <a:br>
               <a:rPr lang="zh-CN" altLang="en-US" dirty="0"/>
             </a:br>
@@ -8499,14 +8416,6 @@
             <a:r>
               <a:rPr lang="zh-CN" altLang="en-US" dirty="0"/>
               <a:t>分析法</a:t>
-            </a:r>
-            <a:r>
-              <a:rPr lang="en-US" altLang="zh-CN" dirty="0"/>
-              <a:t>8.6 </a:t>
-            </a:r>
-            <a:r>
-              <a:rPr lang="zh-CN" altLang="en-US" dirty="0"/>
-              <a:t>句法分析系统评测</a:t>
             </a:r>
           </a:p>
         </p:txBody>
@@ -8608,14 +8517,6 @@
             <a:br>
               <a:rPr lang="zh-CN" altLang="en-US" dirty="0"/>
             </a:br>
-            <a:r>
-              <a:rPr lang="en-US" altLang="zh-CN" dirty="0"/>
-              <a:t>8.4 </a:t>
-            </a:r>
-            <a:r>
-              <a:rPr lang="zh-CN" altLang="en-US" dirty="0"/>
-              <a:t>概率上下文无关文法</a:t>
-            </a:r>
             <a:br>
               <a:rPr lang="zh-CN" altLang="en-US" dirty="0"/>
             </a:br>
@@ -8721,17 +8622,6 @@
               <a:rPr lang="zh-CN" altLang="en-US" dirty="0"/>
             </a:br>
             <a:r>
-              <a:rPr lang="en-US" altLang="zh-CN" dirty="0"/>
-              <a:t>8.5 </a:t>
-            </a:r>
-            <a:r>
-              <a:rPr lang="zh-CN" altLang="en-US" dirty="0"/>
-              <a:t>浅层句法分析</a:t>
-            </a:r>
-            <a:br>
-              <a:rPr lang="zh-CN" altLang="en-US" dirty="0"/>
-            </a:br>
-            <a:r>
               <a:rPr lang="zh-CN" altLang="en-US" dirty="0"/>
               <a:t>　　</a:t>
             </a:r>
@@ -8873,14 +8763,7 @@
             <a:br>
               <a:rPr lang="zh-CN" altLang="en-US" dirty="0"/>
             </a:br>
-            <a:r>
-              <a:rPr lang="en-US" altLang="zh-CN" dirty="0"/>
-              <a:t>8.6 </a:t>
-            </a:r>
-            <a:r>
-              <a:rPr lang="zh-CN" altLang="en-US" dirty="0"/>
-              <a:t>句法分析系统评测</a:t>
-            </a:r>
+            <a:endParaRPr lang="zh-CN" altLang="en-US" dirty="0"/>
           </a:p>
         </p:txBody>
       </p:sp>

--- a/PPT-2020/ch08 句法分析.pptx
+++ b/PPT-2020/ch08 句法分析.pptx
@@ -6,13 +6,18 @@
   </p:sldMasterIdLst>
   <p:sldIdLst>
     <p:sldId id="256" r:id="rId2"/>
-    <p:sldId id="257" r:id="rId3"/>
-    <p:sldId id="258" r:id="rId4"/>
-    <p:sldId id="259" r:id="rId5"/>
-    <p:sldId id="260" r:id="rId6"/>
-    <p:sldId id="261" r:id="rId7"/>
-    <p:sldId id="262" r:id="rId8"/>
-    <p:sldId id="263" r:id="rId9"/>
+    <p:sldId id="264" r:id="rId3"/>
+    <p:sldId id="269" r:id="rId4"/>
+    <p:sldId id="270" r:id="rId5"/>
+    <p:sldId id="271" r:id="rId6"/>
+    <p:sldId id="272" r:id="rId7"/>
+    <p:sldId id="273" r:id="rId8"/>
+    <p:sldId id="274" r:id="rId9"/>
+    <p:sldId id="257" r:id="rId10"/>
+    <p:sldId id="276" r:id="rId11"/>
+    <p:sldId id="263" r:id="rId12"/>
+    <p:sldId id="275" r:id="rId13"/>
+    <p:sldId id="287" r:id="rId14"/>
   </p:sldIdLst>
   <p:sldSz cx="12192000" cy="6858000"/>
   <p:notesSz cx="6858000" cy="9144000"/>
@@ -119,6 +124,18 @@
 </p:presentation>
 </file>
 
+<file path=ppt/commentAuthors.xml><?xml version="1.0" encoding="utf-8"?>
+<p:cmAuthorLst xmlns:a="http://schemas.openxmlformats.org/drawingml/2006/main" xmlns:r="http://schemas.openxmlformats.org/officeDocument/2006/relationships" xmlns:p="http://schemas.openxmlformats.org/presentationml/2006/main">
+  <p:cmAuthor id="1" name="David yonggang" initials="Dy" lastIdx="1" clrIdx="0">
+    <p:extLst>
+      <p:ext uri="{19B8F6BF-5375-455C-9EA6-DF929625EA0E}">
+        <p15:presenceInfo xmlns:p15="http://schemas.microsoft.com/office/powerpoint/2012/main" userId="1a2bbcb6c0f0fb04" providerId="Windows Live"/>
+      </p:ext>
+    </p:extLst>
+  </p:cmAuthor>
+</p:cmAuthorLst>
+</file>
+
 <file path=ppt/slideLayouts/slideLayout1.xml><?xml version="1.0" encoding="utf-8"?>
 <p:sldLayout xmlns:a="http://schemas.openxmlformats.org/drawingml/2006/main" xmlns:r="http://schemas.openxmlformats.org/officeDocument/2006/relationships" xmlns:p="http://schemas.openxmlformats.org/presentationml/2006/main" type="title" preserve="1">
   <p:cSld name="标题幻灯片">
@@ -393,7 +410,7 @@
           <a:p>
             <a:fld id="{B161E7BD-2304-4CFF-AC2E-DAADCB15FF3C}" type="datetimeFigureOut">
               <a:rPr lang="zh-CN" altLang="en-US" smtClean="0"/>
-              <a:t>2020/6/30</a:t>
+              <a:t>2020/8/23</a:t>
             </a:fld>
             <a:endParaRPr lang="zh-CN" altLang="en-US"/>
           </a:p>
@@ -807,7 +824,7 @@
           <a:p>
             <a:fld id="{B161E7BD-2304-4CFF-AC2E-DAADCB15FF3C}" type="datetimeFigureOut">
               <a:rPr lang="zh-CN" altLang="en-US" smtClean="0"/>
-              <a:t>2020/6/30</a:t>
+              <a:t>2020/8/23</a:t>
             </a:fld>
             <a:endParaRPr lang="zh-CN" altLang="en-US"/>
           </a:p>
@@ -1143,7 +1160,7 @@
           <a:p>
             <a:fld id="{B161E7BD-2304-4CFF-AC2E-DAADCB15FF3C}" type="datetimeFigureOut">
               <a:rPr lang="zh-CN" altLang="en-US" smtClean="0"/>
-              <a:t>2020/6/30</a:t>
+              <a:t>2020/8/23</a:t>
             </a:fld>
             <a:endParaRPr lang="zh-CN" altLang="en-US"/>
           </a:p>
@@ -1548,7 +1565,7 @@
           <a:p>
             <a:fld id="{B161E7BD-2304-4CFF-AC2E-DAADCB15FF3C}" type="datetimeFigureOut">
               <a:rPr lang="zh-CN" altLang="en-US" smtClean="0"/>
-              <a:t>2020/6/30</a:t>
+              <a:t>2020/8/23</a:t>
             </a:fld>
             <a:endParaRPr lang="zh-CN" altLang="en-US"/>
           </a:p>
@@ -2116,7 +2133,7 @@
           <a:p>
             <a:fld id="{B161E7BD-2304-4CFF-AC2E-DAADCB15FF3C}" type="datetimeFigureOut">
               <a:rPr lang="zh-CN" altLang="en-US" smtClean="0"/>
-              <a:t>2020/6/30</a:t>
+              <a:t>2020/8/23</a:t>
             </a:fld>
             <a:endParaRPr lang="zh-CN" altLang="en-US"/>
           </a:p>
@@ -2797,7 +2814,7 @@
           <a:p>
             <a:fld id="{B161E7BD-2304-4CFF-AC2E-DAADCB15FF3C}" type="datetimeFigureOut">
               <a:rPr lang="zh-CN" altLang="en-US" smtClean="0"/>
-              <a:t>2020/6/30</a:t>
+              <a:t>2020/8/23</a:t>
             </a:fld>
             <a:endParaRPr lang="zh-CN" altLang="en-US"/>
           </a:p>
@@ -3710,7 +3727,7 @@
           <a:p>
             <a:fld id="{B161E7BD-2304-4CFF-AC2E-DAADCB15FF3C}" type="datetimeFigureOut">
               <a:rPr lang="zh-CN" altLang="en-US" smtClean="0"/>
-              <a:t>2020/6/30</a:t>
+              <a:t>2020/8/23</a:t>
             </a:fld>
             <a:endParaRPr lang="zh-CN" altLang="en-US"/>
           </a:p>
@@ -4023,7 +4040,7 @@
           <a:p>
             <a:fld id="{B161E7BD-2304-4CFF-AC2E-DAADCB15FF3C}" type="datetimeFigureOut">
               <a:rPr lang="zh-CN" altLang="en-US" smtClean="0"/>
-              <a:t>2020/6/30</a:t>
+              <a:t>2020/8/23</a:t>
             </a:fld>
             <a:endParaRPr lang="zh-CN" altLang="en-US"/>
           </a:p>
@@ -4287,7 +4304,7 @@
           <a:p>
             <a:fld id="{B161E7BD-2304-4CFF-AC2E-DAADCB15FF3C}" type="datetimeFigureOut">
               <a:rPr lang="zh-CN" altLang="en-US" smtClean="0"/>
-              <a:t>2020/6/30</a:t>
+              <a:t>2020/8/23</a:t>
             </a:fld>
             <a:endParaRPr lang="zh-CN" altLang="en-US"/>
           </a:p>
@@ -4610,7 +4627,7 @@
           <a:p>
             <a:fld id="{B161E7BD-2304-4CFF-AC2E-DAADCB15FF3C}" type="datetimeFigureOut">
               <a:rPr lang="zh-CN" altLang="en-US" smtClean="0"/>
-              <a:t>2020/6/30</a:t>
+              <a:t>2020/8/23</a:t>
             </a:fld>
             <a:endParaRPr lang="zh-CN" altLang="en-US"/>
           </a:p>
@@ -4999,7 +5016,7 @@
           <a:p>
             <a:fld id="{B161E7BD-2304-4CFF-AC2E-DAADCB15FF3C}" type="datetimeFigureOut">
               <a:rPr lang="zh-CN" altLang="en-US" smtClean="0"/>
-              <a:t>2020/6/30</a:t>
+              <a:t>2020/8/23</a:t>
             </a:fld>
             <a:endParaRPr lang="zh-CN" altLang="en-US"/>
           </a:p>
@@ -5375,7 +5392,7 @@
           <a:p>
             <a:fld id="{B161E7BD-2304-4CFF-AC2E-DAADCB15FF3C}" type="datetimeFigureOut">
               <a:rPr lang="zh-CN" altLang="en-US" smtClean="0"/>
-              <a:t>2020/6/30</a:t>
+              <a:t>2020/8/23</a:t>
             </a:fld>
             <a:endParaRPr lang="zh-CN" altLang="en-US"/>
           </a:p>
@@ -5881,7 +5898,7 @@
           <a:p>
             <a:fld id="{B161E7BD-2304-4CFF-AC2E-DAADCB15FF3C}" type="datetimeFigureOut">
               <a:rPr lang="zh-CN" altLang="en-US" smtClean="0"/>
-              <a:t>2020/6/30</a:t>
+              <a:t>2020/8/23</a:t>
             </a:fld>
             <a:endParaRPr lang="zh-CN" altLang="en-US"/>
           </a:p>
@@ -6138,7 +6155,7 @@
           <a:p>
             <a:fld id="{B161E7BD-2304-4CFF-AC2E-DAADCB15FF3C}" type="datetimeFigureOut">
               <a:rPr lang="zh-CN" altLang="en-US" smtClean="0"/>
-              <a:t>2020/6/30</a:t>
+              <a:t>2020/8/23</a:t>
             </a:fld>
             <a:endParaRPr lang="zh-CN" altLang="en-US"/>
           </a:p>
@@ -6301,7 +6318,7 @@
           <a:p>
             <a:fld id="{B161E7BD-2304-4CFF-AC2E-DAADCB15FF3C}" type="datetimeFigureOut">
               <a:rPr lang="zh-CN" altLang="en-US" smtClean="0"/>
-              <a:t>2020/6/30</a:t>
+              <a:t>2020/8/23</a:t>
             </a:fld>
             <a:endParaRPr lang="zh-CN" altLang="en-US"/>
           </a:p>
@@ -6691,7 +6708,7 @@
           <a:p>
             <a:fld id="{B161E7BD-2304-4CFF-AC2E-DAADCB15FF3C}" type="datetimeFigureOut">
               <a:rPr lang="zh-CN" altLang="en-US" smtClean="0"/>
-              <a:t>2020/6/30</a:t>
+              <a:t>2020/8/23</a:t>
             </a:fld>
             <a:endParaRPr lang="zh-CN" altLang="en-US"/>
           </a:p>
@@ -7100,7 +7117,7 @@
           <a:p>
             <a:fld id="{B161E7BD-2304-4CFF-AC2E-DAADCB15FF3C}" type="datetimeFigureOut">
               <a:rPr lang="zh-CN" altLang="en-US" smtClean="0"/>
-              <a:t>2020/6/30</a:t>
+              <a:t>2020/8/23</a:t>
             </a:fld>
             <a:endParaRPr lang="zh-CN" altLang="en-US"/>
           </a:p>
@@ -7344,7 +7361,7 @@
           <a:p>
             <a:fld id="{B161E7BD-2304-4CFF-AC2E-DAADCB15FF3C}" type="datetimeFigureOut">
               <a:rPr lang="zh-CN" altLang="en-US" smtClean="0"/>
-              <a:t>2020/6/30</a:t>
+              <a:t>2020/8/23</a:t>
             </a:fld>
             <a:endParaRPr lang="zh-CN" altLang="en-US"/>
           </a:p>
@@ -7887,6 +7904,514 @@
 </p:sld>
 </file>
 
+<file path=ppt/slides/slide10.xml><?xml version="1.0" encoding="utf-8"?>
+<p:sld xmlns:a="http://schemas.openxmlformats.org/drawingml/2006/main" xmlns:r="http://schemas.openxmlformats.org/officeDocument/2006/relationships" xmlns:p="http://schemas.openxmlformats.org/presentationml/2006/main">
+  <p:cSld>
+    <p:spTree>
+      <p:nvGrpSpPr>
+        <p:cNvPr id="1" name=""/>
+        <p:cNvGrpSpPr/>
+        <p:nvPr/>
+      </p:nvGrpSpPr>
+      <p:grpSpPr>
+        <a:xfrm>
+          <a:off x="0" y="0"/>
+          <a:ext cx="0" cy="0"/>
+          <a:chOff x="0" y="0"/>
+          <a:chExt cx="0" cy="0"/>
+        </a:xfrm>
+      </p:grpSpPr>
+      <p:sp>
+        <p:nvSpPr>
+          <p:cNvPr id="2" name="标题 1">
+            <a:extLst>
+              <a:ext uri="{FF2B5EF4-FFF2-40B4-BE49-F238E27FC236}">
+                <a16:creationId xmlns:a16="http://schemas.microsoft.com/office/drawing/2014/main" id="{1F6E5F37-AF5E-4AC4-83B6-226A4700BEEF}"/>
+              </a:ext>
+            </a:extLst>
+          </p:cNvPr>
+          <p:cNvSpPr>
+            <a:spLocks noGrp="1"/>
+          </p:cNvSpPr>
+          <p:nvPr>
+            <p:ph type="title"/>
+          </p:nvPr>
+        </p:nvSpPr>
+        <p:spPr/>
+        <p:txBody>
+          <a:bodyPr/>
+          <a:lstStyle/>
+          <a:p>
+            <a:r>
+              <a:rPr lang="zh-CN" altLang="en-US" dirty="0"/>
+              <a:t>依存语法 </a:t>
+            </a:r>
+            <a:r>
+              <a:rPr lang="en-US" altLang="zh-CN" dirty="0"/>
+              <a:t>dependence grammar</a:t>
+            </a:r>
+            <a:endParaRPr lang="zh-CN" altLang="en-US" dirty="0"/>
+          </a:p>
+        </p:txBody>
+      </p:sp>
+      <p:pic>
+        <p:nvPicPr>
+          <p:cNvPr id="5" name="图片 4">
+            <a:extLst>
+              <a:ext uri="{FF2B5EF4-FFF2-40B4-BE49-F238E27FC236}">
+                <a16:creationId xmlns:a16="http://schemas.microsoft.com/office/drawing/2014/main" id="{A448493C-BA31-4BB2-B44E-37A92BD11E6B}"/>
+              </a:ext>
+            </a:extLst>
+          </p:cNvPr>
+          <p:cNvPicPr>
+            <a:picLocks noChangeAspect="1"/>
+          </p:cNvPicPr>
+          <p:nvPr/>
+        </p:nvPicPr>
+        <p:blipFill>
+          <a:blip r:embed="rId2"/>
+          <a:stretch>
+            <a:fillRect/>
+          </a:stretch>
+        </p:blipFill>
+        <p:spPr>
+          <a:xfrm>
+            <a:off x="553939" y="2738067"/>
+            <a:ext cx="10539373" cy="2484335"/>
+          </a:xfrm>
+          <a:prstGeom prst="rect">
+            <a:avLst/>
+          </a:prstGeom>
+        </p:spPr>
+      </p:pic>
+    </p:spTree>
+    <p:extLst>
+      <p:ext uri="{BB962C8B-B14F-4D97-AF65-F5344CB8AC3E}">
+        <p14:creationId xmlns:p14="http://schemas.microsoft.com/office/powerpoint/2010/main" val="1111027648"/>
+      </p:ext>
+    </p:extLst>
+  </p:cSld>
+  <p:clrMapOvr>
+    <a:masterClrMapping/>
+  </p:clrMapOvr>
+</p:sld>
+</file>
+
+<file path=ppt/slides/slide11.xml><?xml version="1.0" encoding="utf-8"?>
+<p:sld xmlns:a="http://schemas.openxmlformats.org/drawingml/2006/main" xmlns:r="http://schemas.openxmlformats.org/officeDocument/2006/relationships" xmlns:p="http://schemas.openxmlformats.org/presentationml/2006/main">
+  <p:cSld>
+    <p:spTree>
+      <p:nvGrpSpPr>
+        <p:cNvPr id="1" name=""/>
+        <p:cNvGrpSpPr/>
+        <p:nvPr/>
+      </p:nvGrpSpPr>
+      <p:grpSpPr>
+        <a:xfrm>
+          <a:off x="0" y="0"/>
+          <a:ext cx="0" cy="0"/>
+          <a:chOff x="0" y="0"/>
+          <a:chExt cx="0" cy="0"/>
+        </a:xfrm>
+      </p:grpSpPr>
+      <p:sp>
+        <p:nvSpPr>
+          <p:cNvPr id="2" name="标题 1">
+            <a:extLst>
+              <a:ext uri="{FF2B5EF4-FFF2-40B4-BE49-F238E27FC236}">
+                <a16:creationId xmlns:a16="http://schemas.microsoft.com/office/drawing/2014/main" id="{B1AA155A-4A36-4085-BF68-DD9783C31505}"/>
+              </a:ext>
+            </a:extLst>
+          </p:cNvPr>
+          <p:cNvSpPr>
+            <a:spLocks noGrp="1"/>
+          </p:cNvSpPr>
+          <p:nvPr>
+            <p:ph type="title"/>
+          </p:nvPr>
+        </p:nvSpPr>
+        <p:spPr/>
+        <p:txBody>
+          <a:bodyPr/>
+          <a:lstStyle/>
+          <a:p>
+            <a:r>
+              <a:rPr lang="zh-CN" altLang="en-US" dirty="0"/>
+              <a:t>系统评测 </a:t>
+            </a:r>
+            <a:r>
+              <a:rPr lang="en-US" altLang="zh-CN" sz="2800" dirty="0"/>
+              <a:t>《</a:t>
+            </a:r>
+            <a:r>
+              <a:rPr lang="zh-CN" altLang="en-US" sz="2800" dirty="0"/>
+              <a:t>统计自然语言处理</a:t>
+            </a:r>
+            <a:r>
+              <a:rPr lang="en-US" altLang="zh-CN" sz="2800" dirty="0"/>
+              <a:t>》</a:t>
+            </a:r>
+            <a:r>
+              <a:rPr lang="zh-CN" altLang="en-US" sz="2800" dirty="0"/>
+              <a:t>宗成庆</a:t>
+            </a:r>
+            <a:endParaRPr lang="zh-CN" altLang="en-US" sz="2800" b="1" dirty="0"/>
+          </a:p>
+        </p:txBody>
+      </p:sp>
+      <p:sp>
+        <p:nvSpPr>
+          <p:cNvPr id="3" name="内容占位符 2">
+            <a:extLst>
+              <a:ext uri="{FF2B5EF4-FFF2-40B4-BE49-F238E27FC236}">
+                <a16:creationId xmlns:a16="http://schemas.microsoft.com/office/drawing/2014/main" id="{81B33DC0-BF5D-412E-AF38-E6D4F60B9A29}"/>
+              </a:ext>
+            </a:extLst>
+          </p:cNvPr>
+          <p:cNvSpPr>
+            <a:spLocks noGrp="1"/>
+          </p:cNvSpPr>
+          <p:nvPr>
+            <p:ph idx="1"/>
+          </p:nvPr>
+        </p:nvSpPr>
+        <p:spPr>
+          <a:xfrm>
+            <a:off x="680321" y="2336873"/>
+            <a:ext cx="9613861" cy="4115808"/>
+          </a:xfrm>
+        </p:spPr>
+        <p:txBody>
+          <a:bodyPr>
+            <a:noAutofit/>
+          </a:bodyPr>
+          <a:lstStyle/>
+          <a:p>
+            <a:pPr marL="0" indent="0">
+              <a:buNone/>
+            </a:pPr>
+            <a:br>
+              <a:rPr lang="zh-CN" altLang="en-US" dirty="0"/>
+            </a:br>
+            <a:endParaRPr lang="zh-CN" altLang="en-US" dirty="0"/>
+          </a:p>
+        </p:txBody>
+      </p:sp>
+      <p:pic>
+        <p:nvPicPr>
+          <p:cNvPr id="5" name="图片 4">
+            <a:extLst>
+              <a:ext uri="{FF2B5EF4-FFF2-40B4-BE49-F238E27FC236}">
+                <a16:creationId xmlns:a16="http://schemas.microsoft.com/office/drawing/2014/main" id="{9B6D3143-7F3F-490E-A4B4-656FDFBEF196}"/>
+              </a:ext>
+            </a:extLst>
+          </p:cNvPr>
+          <p:cNvPicPr>
+            <a:picLocks noChangeAspect="1"/>
+          </p:cNvPicPr>
+          <p:nvPr/>
+        </p:nvPicPr>
+        <p:blipFill>
+          <a:blip r:embed="rId2"/>
+          <a:stretch>
+            <a:fillRect/>
+          </a:stretch>
+        </p:blipFill>
+        <p:spPr>
+          <a:xfrm>
+            <a:off x="196078" y="2094355"/>
+            <a:ext cx="6451156" cy="4473886"/>
+          </a:xfrm>
+          <a:prstGeom prst="rect">
+            <a:avLst/>
+          </a:prstGeom>
+        </p:spPr>
+      </p:pic>
+      <p:pic>
+        <p:nvPicPr>
+          <p:cNvPr id="7" name="图片 6">
+            <a:extLst>
+              <a:ext uri="{FF2B5EF4-FFF2-40B4-BE49-F238E27FC236}">
+                <a16:creationId xmlns:a16="http://schemas.microsoft.com/office/drawing/2014/main" id="{86A948A8-50DB-43E8-9C88-AAB312E7A74C}"/>
+              </a:ext>
+            </a:extLst>
+          </p:cNvPr>
+          <p:cNvPicPr>
+            <a:picLocks noChangeAspect="1"/>
+          </p:cNvPicPr>
+          <p:nvPr/>
+        </p:nvPicPr>
+        <p:blipFill>
+          <a:blip r:embed="rId3"/>
+          <a:stretch>
+            <a:fillRect/>
+          </a:stretch>
+        </p:blipFill>
+        <p:spPr>
+          <a:xfrm>
+            <a:off x="6823506" y="2094941"/>
+            <a:ext cx="5277762" cy="4473300"/>
+          </a:xfrm>
+          <a:prstGeom prst="rect">
+            <a:avLst/>
+          </a:prstGeom>
+        </p:spPr>
+      </p:pic>
+    </p:spTree>
+    <p:extLst>
+      <p:ext uri="{BB962C8B-B14F-4D97-AF65-F5344CB8AC3E}">
+        <p14:creationId xmlns:p14="http://schemas.microsoft.com/office/powerpoint/2010/main" val="3231684724"/>
+      </p:ext>
+    </p:extLst>
+  </p:cSld>
+  <p:clrMapOvr>
+    <a:masterClrMapping/>
+  </p:clrMapOvr>
+</p:sld>
+</file>
+
+<file path=ppt/slides/slide12.xml><?xml version="1.0" encoding="utf-8"?>
+<p:sld xmlns:a="http://schemas.openxmlformats.org/drawingml/2006/main" xmlns:r="http://schemas.openxmlformats.org/officeDocument/2006/relationships" xmlns:p="http://schemas.openxmlformats.org/presentationml/2006/main">
+  <p:cSld>
+    <p:spTree>
+      <p:nvGrpSpPr>
+        <p:cNvPr id="1" name=""/>
+        <p:cNvGrpSpPr/>
+        <p:nvPr/>
+      </p:nvGrpSpPr>
+      <p:grpSpPr>
+        <a:xfrm>
+          <a:off x="0" y="0"/>
+          <a:ext cx="0" cy="0"/>
+          <a:chOff x="0" y="0"/>
+          <a:chExt cx="0" cy="0"/>
+        </a:xfrm>
+      </p:grpSpPr>
+      <p:sp>
+        <p:nvSpPr>
+          <p:cNvPr id="2" name="标题 1">
+            <a:extLst>
+              <a:ext uri="{FF2B5EF4-FFF2-40B4-BE49-F238E27FC236}">
+                <a16:creationId xmlns:a16="http://schemas.microsoft.com/office/drawing/2014/main" id="{DB984350-4885-4415-BBF4-14818190B8AA}"/>
+              </a:ext>
+            </a:extLst>
+          </p:cNvPr>
+          <p:cNvSpPr>
+            <a:spLocks noGrp="1"/>
+          </p:cNvSpPr>
+          <p:nvPr>
+            <p:ph type="title"/>
+          </p:nvPr>
+        </p:nvSpPr>
+        <p:spPr/>
+        <p:txBody>
+          <a:bodyPr/>
+          <a:lstStyle/>
+          <a:p>
+            <a:r>
+              <a:rPr lang="en-US" altLang="zh-CN" dirty="0" err="1"/>
+              <a:t>HanLP</a:t>
+            </a:r>
+            <a:r>
+              <a:rPr lang="zh-CN" altLang="en-US" dirty="0"/>
+              <a:t>作者何晗</a:t>
+            </a:r>
+            <a:r>
+              <a:rPr lang="en-US" altLang="zh-CN" dirty="0"/>
+              <a:t>《</a:t>
+            </a:r>
+            <a:r>
+              <a:rPr lang="zh-CN" altLang="en-US" dirty="0"/>
+              <a:t>自然语言处理入门</a:t>
+            </a:r>
+            <a:r>
+              <a:rPr lang="en-US" altLang="zh-CN" dirty="0"/>
+              <a:t>》</a:t>
+            </a:r>
+            <a:endParaRPr lang="zh-CN" altLang="en-US" dirty="0"/>
+          </a:p>
+        </p:txBody>
+      </p:sp>
+      <p:pic>
+        <p:nvPicPr>
+          <p:cNvPr id="5" name="图片 4">
+            <a:extLst>
+              <a:ext uri="{FF2B5EF4-FFF2-40B4-BE49-F238E27FC236}">
+                <a16:creationId xmlns:a16="http://schemas.microsoft.com/office/drawing/2014/main" id="{32484A8E-6E1C-46CC-809F-6C5CC2F54410}"/>
+              </a:ext>
+            </a:extLst>
+          </p:cNvPr>
+          <p:cNvPicPr>
+            <a:picLocks noChangeAspect="1"/>
+          </p:cNvPicPr>
+          <p:nvPr/>
+        </p:nvPicPr>
+        <p:blipFill>
+          <a:blip r:embed="rId2"/>
+          <a:stretch>
+            <a:fillRect/>
+          </a:stretch>
+        </p:blipFill>
+        <p:spPr>
+          <a:xfrm>
+            <a:off x="585407" y="2098157"/>
+            <a:ext cx="10204064" cy="4153260"/>
+          </a:xfrm>
+          <a:prstGeom prst="rect">
+            <a:avLst/>
+          </a:prstGeom>
+        </p:spPr>
+      </p:pic>
+      <p:sp>
+        <p:nvSpPr>
+          <p:cNvPr id="7" name="文本框 6">
+            <a:extLst>
+              <a:ext uri="{FF2B5EF4-FFF2-40B4-BE49-F238E27FC236}">
+                <a16:creationId xmlns:a16="http://schemas.microsoft.com/office/drawing/2014/main" id="{31EF52EC-F2B2-41A9-B955-76263B90C288}"/>
+              </a:ext>
+            </a:extLst>
+          </p:cNvPr>
+          <p:cNvSpPr txBox="1"/>
+          <p:nvPr/>
+        </p:nvSpPr>
+        <p:spPr>
+          <a:xfrm>
+            <a:off x="585407" y="6515408"/>
+            <a:ext cx="8112868" cy="246221"/>
+          </a:xfrm>
+          <a:prstGeom prst="rect">
+            <a:avLst/>
+          </a:prstGeom>
+          <a:noFill/>
+        </p:spPr>
+        <p:txBody>
+          <a:bodyPr wrap="square">
+            <a:spAutoFit/>
+          </a:bodyPr>
+          <a:lstStyle/>
+          <a:p>
+            <a:r>
+              <a:rPr lang="en-US" altLang="zh-CN" sz="1000" dirty="0"/>
+              <a:t>https://github.com/NLP-LOVE/Introduction-NLP/blob/master/chapter/12.%E4%BE%9D%E5%AD%98%E5%8F%A5%E6%B3%95%E5%88%86%E6%9E%90.md</a:t>
+            </a:r>
+            <a:endParaRPr lang="zh-CN" altLang="en-US" sz="1000" dirty="0"/>
+          </a:p>
+        </p:txBody>
+      </p:sp>
+    </p:spTree>
+    <p:extLst>
+      <p:ext uri="{BB962C8B-B14F-4D97-AF65-F5344CB8AC3E}">
+        <p14:creationId xmlns:p14="http://schemas.microsoft.com/office/powerpoint/2010/main" val="2714927826"/>
+      </p:ext>
+    </p:extLst>
+  </p:cSld>
+  <p:clrMapOvr>
+    <a:masterClrMapping/>
+  </p:clrMapOvr>
+</p:sld>
+</file>
+
+<file path=ppt/slides/slide13.xml><?xml version="1.0" encoding="utf-8"?>
+<p:sld xmlns:a="http://schemas.openxmlformats.org/drawingml/2006/main" xmlns:r="http://schemas.openxmlformats.org/officeDocument/2006/relationships" xmlns:p="http://schemas.openxmlformats.org/presentationml/2006/main">
+  <p:cSld>
+    <p:spTree>
+      <p:nvGrpSpPr>
+        <p:cNvPr id="1" name=""/>
+        <p:cNvGrpSpPr/>
+        <p:nvPr/>
+      </p:nvGrpSpPr>
+      <p:grpSpPr>
+        <a:xfrm>
+          <a:off x="0" y="0"/>
+          <a:ext cx="0" cy="0"/>
+          <a:chOff x="0" y="0"/>
+          <a:chExt cx="0" cy="0"/>
+        </a:xfrm>
+      </p:grpSpPr>
+      <p:sp>
+        <p:nvSpPr>
+          <p:cNvPr id="6" name="矩形 5">
+            <a:extLst>
+              <a:ext uri="{FF2B5EF4-FFF2-40B4-BE49-F238E27FC236}">
+                <a16:creationId xmlns:a16="http://schemas.microsoft.com/office/drawing/2014/main" id="{CADF162C-8C31-4702-8C51-3D52B99A40F0}"/>
+              </a:ext>
+            </a:extLst>
+          </p:cNvPr>
+          <p:cNvSpPr/>
+          <p:nvPr/>
+        </p:nvSpPr>
+        <p:spPr>
+          <a:xfrm>
+            <a:off x="3630456" y="3298074"/>
+            <a:ext cx="4054395" cy="1323439"/>
+          </a:xfrm>
+          <a:prstGeom prst="rect">
+            <a:avLst/>
+          </a:prstGeom>
+          <a:noFill/>
+        </p:spPr>
+        <p:txBody>
+          <a:bodyPr wrap="square" lIns="91440" tIns="45720" rIns="91440" bIns="45720">
+            <a:spAutoFit/>
+          </a:bodyPr>
+          <a:lstStyle/>
+          <a:p>
+            <a:pPr algn="ctr"/>
+            <a:r>
+              <a:rPr lang="en-US" altLang="zh-CN" sz="8000" b="1" dirty="0">
+                <a:ln w="12700">
+                  <a:solidFill>
+                    <a:schemeClr val="accent3">
+                      <a:lumMod val="50000"/>
+                    </a:schemeClr>
+                  </a:solidFill>
+                  <a:prstDash val="solid"/>
+                </a:ln>
+                <a:effectLst>
+                  <a:innerShdw blurRad="177800">
+                    <a:schemeClr val="accent3">
+                      <a:lumMod val="50000"/>
+                    </a:schemeClr>
+                  </a:innerShdw>
+                </a:effectLst>
+                <a:latin typeface="Franklin Gothic Book" panose="020B0503020102020204" pitchFamily="34" charset="0"/>
+              </a:rPr>
+              <a:t>THE END</a:t>
+            </a:r>
+            <a:endParaRPr lang="zh-CN" altLang="en-US" sz="8000" b="1" dirty="0">
+              <a:ln w="12700">
+                <a:solidFill>
+                  <a:schemeClr val="accent3">
+                    <a:lumMod val="50000"/>
+                  </a:schemeClr>
+                </a:solidFill>
+                <a:prstDash val="solid"/>
+              </a:ln>
+              <a:effectLst>
+                <a:innerShdw blurRad="177800">
+                  <a:schemeClr val="accent3">
+                    <a:lumMod val="50000"/>
+                  </a:schemeClr>
+                </a:innerShdw>
+              </a:effectLst>
+              <a:latin typeface="Franklin Gothic Book" panose="020B0503020102020204" pitchFamily="34" charset="0"/>
+            </a:endParaRPr>
+          </a:p>
+        </p:txBody>
+      </p:sp>
+    </p:spTree>
+    <p:extLst>
+      <p:ext uri="{BB962C8B-B14F-4D97-AF65-F5344CB8AC3E}">
+        <p14:creationId xmlns:p14="http://schemas.microsoft.com/office/powerpoint/2010/main" val="1615317569"/>
+      </p:ext>
+    </p:extLst>
+  </p:cSld>
+  <p:clrMapOvr>
+    <a:masterClrMapping/>
+  </p:clrMapOvr>
+</p:sld>
+</file>
+
 <file path=ppt/slides/slide2.xml><?xml version="1.0" encoding="utf-8"?>
 <p:sld xmlns:a="http://schemas.openxmlformats.org/drawingml/2006/main" xmlns:r="http://schemas.openxmlformats.org/officeDocument/2006/relationships" xmlns:p="http://schemas.openxmlformats.org/presentationml/2006/main">
   <p:cSld>
@@ -7909,7 +8434,7 @@
           <p:cNvPr id="2" name="标题 1">
             <a:extLst>
               <a:ext uri="{FF2B5EF4-FFF2-40B4-BE49-F238E27FC236}">
-                <a16:creationId xmlns:a16="http://schemas.microsoft.com/office/drawing/2014/main" id="{B1AA155A-4A36-4085-BF68-DD9783C31505}"/>
+                <a16:creationId xmlns:a16="http://schemas.microsoft.com/office/drawing/2014/main" id="{16D9D13F-C983-4760-AC40-39034B2CD291}"/>
               </a:ext>
             </a:extLst>
           </p:cNvPr>
@@ -7926,16 +8451,16 @@
           <a:lstStyle/>
           <a:p>
             <a:r>
-              <a:rPr lang="zh-CN" altLang="en-US" b="1" dirty="0"/>
+              <a:rPr lang="zh-CN" altLang="en-US" dirty="0"/>
               <a:t>第</a:t>
             </a:r>
             <a:r>
-              <a:rPr lang="en-US" altLang="zh-CN" b="1" dirty="0"/>
+              <a:rPr lang="en-US" altLang="zh-CN" dirty="0"/>
               <a:t>8</a:t>
             </a:r>
             <a:r>
-              <a:rPr lang="zh-CN" altLang="en-US" b="1" dirty="0"/>
-              <a:t>章句法分析</a:t>
+              <a:rPr lang="zh-CN" altLang="en-US" dirty="0"/>
+              <a:t>章 句法分析</a:t>
             </a:r>
           </a:p>
         </p:txBody>
@@ -7945,7 +8470,7 @@
           <p:cNvPr id="3" name="内容占位符 2">
             <a:extLst>
               <a:ext uri="{FF2B5EF4-FFF2-40B4-BE49-F238E27FC236}">
-                <a16:creationId xmlns:a16="http://schemas.microsoft.com/office/drawing/2014/main" id="{81B33DC0-BF5D-412E-AF38-E6D4F60B9A29}"/>
+                <a16:creationId xmlns:a16="http://schemas.microsoft.com/office/drawing/2014/main" id="{51D92DF2-CD3B-40F9-AECE-2E26A7F15742}"/>
               </a:ext>
             </a:extLst>
           </p:cNvPr>
@@ -7958,119 +8483,118 @@
         </p:nvSpPr>
         <p:spPr>
           <a:xfrm>
-            <a:off x="680321" y="2120630"/>
-            <a:ext cx="9613861" cy="4559030"/>
-          </a:xfrm>
-        </p:spPr>
-        <p:txBody>
-          <a:bodyPr>
-            <a:noAutofit/>
-          </a:bodyPr>
+            <a:off x="680321" y="2336873"/>
+            <a:ext cx="11109602" cy="3599316"/>
+          </a:xfrm>
+        </p:spPr>
+        <p:txBody>
+          <a:bodyPr/>
           <a:lstStyle/>
           <a:p>
             <a:pPr marL="0" indent="0">
               <a:buNone/>
             </a:pPr>
             <a:r>
-              <a:rPr lang="en-US" altLang="zh-CN" dirty="0"/>
-              <a:t>8.1 </a:t>
-            </a:r>
+              <a:rPr lang="en-US" altLang="zh-CN" sz="2800" dirty="0"/>
+              <a:t>NLP</a:t>
+            </a:r>
+            <a:r>
+              <a:rPr lang="zh-CN" altLang="en-US" sz="2800" dirty="0"/>
+              <a:t>关键技术之一，基本任务：</a:t>
+            </a:r>
+            <a:endParaRPr lang="en-US" altLang="zh-CN" sz="2800" dirty="0"/>
+          </a:p>
+          <a:p>
+            <a:pPr lvl="1"/>
             <a:r>
               <a:rPr lang="zh-CN" altLang="en-US" dirty="0"/>
-              <a:t>文法的表示</a:t>
-            </a:r>
+              <a:t>确定 </a:t>
+            </a:r>
+            <a:r>
+              <a:rPr lang="zh-CN" altLang="en-US" b="1" dirty="0">
+                <a:highlight>
+                  <a:srgbClr val="000080"/>
+                </a:highlight>
+              </a:rPr>
+              <a:t>句子的句法结构 </a:t>
+            </a:r>
+            <a:r>
+              <a:rPr lang="zh-CN" altLang="en-US" dirty="0"/>
+              <a:t>或 </a:t>
+            </a:r>
+            <a:r>
+              <a:rPr lang="zh-CN" altLang="en-US" dirty="0">
+                <a:highlight>
+                  <a:srgbClr val="000080"/>
+                </a:highlight>
+              </a:rPr>
+              <a:t>句子中词汇之间的依存关系</a:t>
+            </a:r>
+            <a:endParaRPr lang="en-US" altLang="zh-CN" dirty="0">
+              <a:highlight>
+                <a:srgbClr val="000080"/>
+              </a:highlight>
+            </a:endParaRPr>
+          </a:p>
+          <a:p>
+            <a:pPr marL="0" indent="0">
+              <a:buNone/>
+            </a:pPr>
             <a:endParaRPr lang="en-US" altLang="zh-CN" dirty="0"/>
           </a:p>
           <a:p>
             <a:pPr marL="0" indent="0">
               <a:buNone/>
             </a:pPr>
-            <a:br>
+            <a:endParaRPr lang="en-US" altLang="zh-CN" dirty="0"/>
+          </a:p>
+          <a:p>
+            <a:pPr marL="0" indent="0">
+              <a:buNone/>
+            </a:pPr>
+            <a:r>
+              <a:rPr lang="zh-CN" altLang="en-US" sz="2800" dirty="0"/>
+              <a:t>句法分析分两种：</a:t>
+            </a:r>
+            <a:endParaRPr lang="en-US" altLang="zh-CN" sz="2800" dirty="0"/>
+          </a:p>
+          <a:p>
+            <a:pPr lvl="1"/>
+            <a:r>
               <a:rPr lang="zh-CN" altLang="en-US" dirty="0"/>
-            </a:br>
-            <a:r>
-              <a:rPr lang="en-US" altLang="zh-CN" dirty="0"/>
-              <a:t>8.2 </a:t>
-            </a:r>
+              <a:t>句法结构分析：也称成分结构分析、短语结构分析。有完全语法分析和局部语法分析两类。</a:t>
+            </a:r>
+            <a:endParaRPr lang="en-US" altLang="zh-CN" dirty="0"/>
+          </a:p>
+          <a:p>
+            <a:pPr lvl="1"/>
             <a:r>
               <a:rPr lang="zh-CN" altLang="en-US" dirty="0"/>
-              <a:t>自顶向下的句法分析</a:t>
+              <a:t>依存关系分析：也称</a:t>
+            </a:r>
+            <a:r>
+              <a:rPr lang="zh-CN" altLang="en-US" b="1" dirty="0">
+                <a:solidFill>
+                  <a:srgbClr val="C00000"/>
+                </a:solidFill>
+                <a:highlight>
+                  <a:srgbClr val="000080"/>
+                </a:highlight>
+              </a:rPr>
+              <a:t>依存句法分析</a:t>
+            </a:r>
+            <a:r>
+              <a:rPr lang="zh-CN" altLang="en-US" dirty="0"/>
+              <a:t>、依存结构分析，简称依存分析。</a:t>
             </a:r>
             <a:endParaRPr lang="en-US" altLang="zh-CN" dirty="0"/>
-          </a:p>
-          <a:p>
-            <a:pPr marL="0" indent="0">
-              <a:buNone/>
-            </a:pPr>
-            <a:br>
-              <a:rPr lang="zh-CN" altLang="en-US" dirty="0"/>
-            </a:br>
-            <a:r>
-              <a:rPr lang="en-US" altLang="zh-CN" dirty="0"/>
-              <a:t>8.3 </a:t>
-            </a:r>
-            <a:r>
-              <a:rPr lang="zh-CN" altLang="en-US" dirty="0"/>
-              <a:t>自底向上的句法分析</a:t>
-            </a:r>
-            <a:endParaRPr lang="en-US" altLang="zh-CN" dirty="0"/>
-          </a:p>
-          <a:p>
-            <a:pPr marL="0" indent="0">
-              <a:buNone/>
-            </a:pPr>
-            <a:br>
-              <a:rPr lang="zh-CN" altLang="en-US" dirty="0"/>
-            </a:br>
-            <a:r>
-              <a:rPr lang="en-US" altLang="zh-CN" dirty="0"/>
-              <a:t>8.4 </a:t>
-            </a:r>
-            <a:r>
-              <a:rPr lang="zh-CN" altLang="en-US" dirty="0"/>
-              <a:t>概率上下文无关文法</a:t>
-            </a:r>
-            <a:endParaRPr lang="en-US" altLang="zh-CN" dirty="0"/>
-          </a:p>
-          <a:p>
-            <a:pPr marL="0" indent="0">
-              <a:buNone/>
-            </a:pPr>
-            <a:br>
-              <a:rPr lang="zh-CN" altLang="en-US" dirty="0"/>
-            </a:br>
-            <a:r>
-              <a:rPr lang="en-US" altLang="zh-CN" dirty="0"/>
-              <a:t>8.5 </a:t>
-            </a:r>
-            <a:r>
-              <a:rPr lang="zh-CN" altLang="en-US" dirty="0"/>
-              <a:t>浅层句法分析</a:t>
-            </a:r>
-            <a:endParaRPr lang="en-US" altLang="zh-CN" dirty="0"/>
-          </a:p>
-          <a:p>
-            <a:pPr marL="0" indent="0">
-              <a:buNone/>
-            </a:pPr>
-            <a:br>
-              <a:rPr lang="zh-CN" altLang="en-US" dirty="0"/>
-            </a:br>
-            <a:r>
-              <a:rPr lang="en-US" altLang="zh-CN" dirty="0"/>
-              <a:t>8.6 </a:t>
-            </a:r>
-            <a:r>
-              <a:rPr lang="zh-CN" altLang="en-US" dirty="0"/>
-              <a:t>句法分析系统评测</a:t>
-            </a:r>
           </a:p>
         </p:txBody>
       </p:sp>
     </p:spTree>
     <p:extLst>
       <p:ext uri="{BB962C8B-B14F-4D97-AF65-F5344CB8AC3E}">
-        <p14:creationId xmlns:p14="http://schemas.microsoft.com/office/powerpoint/2010/main" val="1133975145"/>
+        <p14:creationId xmlns:p14="http://schemas.microsoft.com/office/powerpoint/2010/main" val="1375210034"/>
       </p:ext>
     </p:extLst>
   </p:cSld>
@@ -8102,7 +8626,7 @@
           <p:cNvPr id="2" name="标题 1">
             <a:extLst>
               <a:ext uri="{FF2B5EF4-FFF2-40B4-BE49-F238E27FC236}">
-                <a16:creationId xmlns:a16="http://schemas.microsoft.com/office/drawing/2014/main" id="{B1AA155A-4A36-4085-BF68-DD9783C31505}"/>
+                <a16:creationId xmlns:a16="http://schemas.microsoft.com/office/drawing/2014/main" id="{C2D3FCD7-D05E-4D5C-A4B1-9D0FC2755A88}"/>
               </a:ext>
             </a:extLst>
           </p:cNvPr>
@@ -8119,14 +8643,17 @@
           <a:lstStyle/>
           <a:p>
             <a:r>
+              <a:rPr lang="zh-CN" altLang="en-US" dirty="0"/>
+              <a:t>句法结构分析</a:t>
+            </a:r>
+            <a:r>
               <a:rPr lang="en-US" altLang="zh-CN" dirty="0"/>
-              <a:t>8.1 </a:t>
+              <a:t>-</a:t>
             </a:r>
             <a:r>
               <a:rPr lang="zh-CN" altLang="en-US" dirty="0"/>
-              <a:t>文法的表示</a:t>
-            </a:r>
-            <a:endParaRPr lang="zh-CN" altLang="en-US" b="1" dirty="0"/>
+              <a:t>完全语法分析</a:t>
+            </a:r>
           </a:p>
         </p:txBody>
       </p:sp>
@@ -8135,7 +8662,7 @@
           <p:cNvPr id="3" name="内容占位符 2">
             <a:extLst>
               <a:ext uri="{FF2B5EF4-FFF2-40B4-BE49-F238E27FC236}">
-                <a16:creationId xmlns:a16="http://schemas.microsoft.com/office/drawing/2014/main" id="{81B33DC0-BF5D-412E-AF38-E6D4F60B9A29}"/>
+                <a16:creationId xmlns:a16="http://schemas.microsoft.com/office/drawing/2014/main" id="{1CB3C523-6AC9-4CC8-A5DB-D3B185E416F5}"/>
               </a:ext>
             </a:extLst>
           </p:cNvPr>
@@ -8148,19 +8675,89 @@
         </p:nvSpPr>
         <p:spPr>
           <a:xfrm>
-            <a:off x="680321" y="2336873"/>
-            <a:ext cx="9613861" cy="4115808"/>
-          </a:xfrm>
-        </p:spPr>
-        <p:txBody>
-          <a:bodyPr>
-            <a:noAutofit/>
+            <a:off x="615470" y="2058013"/>
+            <a:ext cx="9613861" cy="1007112"/>
+          </a:xfrm>
+        </p:spPr>
+        <p:txBody>
+          <a:bodyPr/>
+          <a:lstStyle/>
+          <a:p>
+            <a:pPr marL="0" indent="0">
+              <a:buNone/>
+            </a:pPr>
+            <a:r>
+              <a:rPr lang="zh-CN" altLang="en-US" dirty="0"/>
+              <a:t>对输入的单词序列（一般为句子）判断其构成是否合乎给定的语法，分析出合乎语法的句子的句法结构。</a:t>
+            </a:r>
+          </a:p>
+          <a:p>
+            <a:endParaRPr lang="zh-CN" altLang="en-US" dirty="0"/>
+          </a:p>
+        </p:txBody>
+      </p:sp>
+      <p:pic>
+        <p:nvPicPr>
+          <p:cNvPr id="5" name="图片 4">
+            <a:extLst>
+              <a:ext uri="{FF2B5EF4-FFF2-40B4-BE49-F238E27FC236}">
+                <a16:creationId xmlns:a16="http://schemas.microsoft.com/office/drawing/2014/main" id="{FCC49DB7-587B-4B13-BD64-4C7560755E12}"/>
+              </a:ext>
+            </a:extLst>
+          </p:cNvPr>
+          <p:cNvPicPr>
+            <a:picLocks noChangeAspect="1"/>
+          </p:cNvPicPr>
+          <p:nvPr/>
+        </p:nvPicPr>
+        <p:blipFill>
+          <a:blip r:embed="rId2"/>
+          <a:stretch>
+            <a:fillRect/>
+          </a:stretch>
+        </p:blipFill>
+        <p:spPr>
+          <a:xfrm>
+            <a:off x="680321" y="2926009"/>
+            <a:ext cx="6168552" cy="3494324"/>
+          </a:xfrm>
+          <a:prstGeom prst="rect">
+            <a:avLst/>
+          </a:prstGeom>
+        </p:spPr>
+      </p:pic>
+      <p:sp>
+        <p:nvSpPr>
+          <p:cNvPr id="7" name="文本框 6">
+            <a:extLst>
+              <a:ext uri="{FF2B5EF4-FFF2-40B4-BE49-F238E27FC236}">
+                <a16:creationId xmlns:a16="http://schemas.microsoft.com/office/drawing/2014/main" id="{49558021-8ABE-4F59-9DDC-71342EF16CBE}"/>
+              </a:ext>
+            </a:extLst>
+          </p:cNvPr>
+          <p:cNvSpPr txBox="1"/>
+          <p:nvPr/>
+        </p:nvSpPr>
+        <p:spPr>
+          <a:xfrm>
+            <a:off x="615470" y="6420333"/>
+            <a:ext cx="6096000" cy="369332"/>
+          </a:xfrm>
+          <a:prstGeom prst="rect">
+            <a:avLst/>
+          </a:prstGeom>
+          <a:noFill/>
+        </p:spPr>
+        <p:txBody>
+          <a:bodyPr wrap="square">
+            <a:spAutoFit/>
           </a:bodyPr>
           <a:lstStyle/>
           <a:p>
-            <a:pPr marL="0" indent="0">
-              <a:buNone/>
-            </a:pPr>
+            <a:r>
+              <a:rPr lang="en-US" altLang="zh-CN" dirty="0"/>
+              <a:t>https://blog.csdn.net/echoKangYL/article/details/88106893</a:t>
+            </a:r>
             <a:endParaRPr lang="zh-CN" altLang="en-US" dirty="0"/>
           </a:p>
         </p:txBody>
@@ -8168,7 +8765,7 @@
     </p:spTree>
     <p:extLst>
       <p:ext uri="{BB962C8B-B14F-4D97-AF65-F5344CB8AC3E}">
-        <p14:creationId xmlns:p14="http://schemas.microsoft.com/office/powerpoint/2010/main" val="3891212858"/>
+        <p14:creationId xmlns:p14="http://schemas.microsoft.com/office/powerpoint/2010/main" val="3403683696"/>
       </p:ext>
     </p:extLst>
   </p:cSld>
@@ -8200,7 +8797,7 @@
           <p:cNvPr id="2" name="标题 1">
             <a:extLst>
               <a:ext uri="{FF2B5EF4-FFF2-40B4-BE49-F238E27FC236}">
-                <a16:creationId xmlns:a16="http://schemas.microsoft.com/office/drawing/2014/main" id="{B1AA155A-4A36-4085-BF68-DD9783C31505}"/>
+                <a16:creationId xmlns:a16="http://schemas.microsoft.com/office/drawing/2014/main" id="{5D7CAE96-2D43-46AA-B42A-1F105D3423A6}"/>
               </a:ext>
             </a:extLst>
           </p:cNvPr>
@@ -8217,56 +8814,56 @@
           <a:lstStyle/>
           <a:p>
             <a:r>
+              <a:rPr lang="zh-CN" altLang="en-US" dirty="0"/>
+              <a:t>句法结构分析</a:t>
+            </a:r>
+            <a:r>
               <a:rPr lang="en-US" altLang="zh-CN" dirty="0"/>
-              <a:t>8.2 </a:t>
+              <a:t>-</a:t>
             </a:r>
             <a:r>
               <a:rPr lang="zh-CN" altLang="en-US" dirty="0"/>
-              <a:t>自顶向下的句法分析</a:t>
-            </a:r>
-            <a:endParaRPr lang="zh-CN" altLang="en-US" b="1" dirty="0"/>
-          </a:p>
-        </p:txBody>
-      </p:sp>
-      <p:sp>
-        <p:nvSpPr>
-          <p:cNvPr id="3" name="内容占位符 2">
+              <a:t>局部语法分析</a:t>
+            </a:r>
+          </a:p>
+        </p:txBody>
+      </p:sp>
+      <p:pic>
+        <p:nvPicPr>
+          <p:cNvPr id="4" name="内容占位符 3">
             <a:extLst>
               <a:ext uri="{FF2B5EF4-FFF2-40B4-BE49-F238E27FC236}">
-                <a16:creationId xmlns:a16="http://schemas.microsoft.com/office/drawing/2014/main" id="{81B33DC0-BF5D-412E-AF38-E6D4F60B9A29}"/>
+                <a16:creationId xmlns:a16="http://schemas.microsoft.com/office/drawing/2014/main" id="{B61EA620-68ED-4B79-BE1B-1279ED8D6BB3}"/>
               </a:ext>
             </a:extLst>
           </p:cNvPr>
-          <p:cNvSpPr>
-            <a:spLocks noGrp="1"/>
-          </p:cNvSpPr>
+          <p:cNvPicPr>
+            <a:picLocks noGrp="1" noChangeAspect="1"/>
+          </p:cNvPicPr>
           <p:nvPr>
             <p:ph idx="1"/>
           </p:nvPr>
-        </p:nvSpPr>
-        <p:spPr>
-          <a:xfrm>
-            <a:off x="680321" y="2336873"/>
-            <a:ext cx="9613861" cy="4115808"/>
-          </a:xfrm>
-        </p:spPr>
-        <p:txBody>
-          <a:bodyPr>
-            <a:noAutofit/>
-          </a:bodyPr>
-          <a:lstStyle/>
-          <a:p>
-            <a:pPr marL="0" indent="0">
-              <a:buNone/>
-            </a:pPr>
-            <a:endParaRPr lang="zh-CN" altLang="en-US" dirty="0"/>
-          </a:p>
-        </p:txBody>
-      </p:sp>
+        </p:nvPicPr>
+        <p:blipFill>
+          <a:blip r:embed="rId2"/>
+          <a:stretch>
+            <a:fillRect/>
+          </a:stretch>
+        </p:blipFill>
+        <p:spPr>
+          <a:xfrm>
+            <a:off x="846881" y="2426190"/>
+            <a:ext cx="6610350" cy="3238500"/>
+          </a:xfrm>
+          <a:prstGeom prst="rect">
+            <a:avLst/>
+          </a:prstGeom>
+        </p:spPr>
+      </p:pic>
     </p:spTree>
     <p:extLst>
       <p:ext uri="{BB962C8B-B14F-4D97-AF65-F5344CB8AC3E}">
-        <p14:creationId xmlns:p14="http://schemas.microsoft.com/office/powerpoint/2010/main" val="387131041"/>
+        <p14:creationId xmlns:p14="http://schemas.microsoft.com/office/powerpoint/2010/main" val="1402047557"/>
       </p:ext>
     </p:extLst>
   </p:cSld>
@@ -8298,7 +8895,7 @@
           <p:cNvPr id="2" name="标题 1">
             <a:extLst>
               <a:ext uri="{FF2B5EF4-FFF2-40B4-BE49-F238E27FC236}">
-                <a16:creationId xmlns:a16="http://schemas.microsoft.com/office/drawing/2014/main" id="{B1AA155A-4A36-4085-BF68-DD9783C31505}"/>
+                <a16:creationId xmlns:a16="http://schemas.microsoft.com/office/drawing/2014/main" id="{2292E8E9-442B-45C6-86CD-2F53CF2F072F}"/>
               </a:ext>
             </a:extLst>
           </p:cNvPr>
@@ -8315,14 +8912,9 @@
           <a:lstStyle/>
           <a:p>
             <a:r>
-              <a:rPr lang="en-US" altLang="zh-CN" dirty="0"/>
-              <a:t>8.3 </a:t>
-            </a:r>
-            <a:r>
               <a:rPr lang="zh-CN" altLang="en-US" dirty="0"/>
-              <a:t>自底向上的句法分析</a:t>
-            </a:r>
-            <a:endParaRPr lang="zh-CN" altLang="en-US" b="1" dirty="0"/>
+              <a:t>依存关系分析</a:t>
+            </a:r>
           </a:p>
         </p:txBody>
       </p:sp>
@@ -8331,7 +8923,7 @@
           <p:cNvPr id="3" name="内容占位符 2">
             <a:extLst>
               <a:ext uri="{FF2B5EF4-FFF2-40B4-BE49-F238E27FC236}">
-                <a16:creationId xmlns:a16="http://schemas.microsoft.com/office/drawing/2014/main" id="{81B33DC0-BF5D-412E-AF38-E6D4F60B9A29}"/>
+                <a16:creationId xmlns:a16="http://schemas.microsoft.com/office/drawing/2014/main" id="{733480B2-E392-4957-8973-941F9C925E73}"/>
               </a:ext>
             </a:extLst>
           </p:cNvPr>
@@ -8344,86 +8936,120 @@
         </p:nvSpPr>
         <p:spPr>
           <a:xfrm>
-            <a:off x="680321" y="2336873"/>
-            <a:ext cx="9613861" cy="4115808"/>
-          </a:xfrm>
-        </p:spPr>
-        <p:txBody>
-          <a:bodyPr>
-            <a:noAutofit/>
+            <a:off x="557104" y="2161776"/>
+            <a:ext cx="9613861" cy="3599316"/>
+          </a:xfrm>
+        </p:spPr>
+        <p:txBody>
+          <a:bodyPr/>
+          <a:lstStyle/>
+          <a:p>
+            <a:pPr marL="0" indent="0">
+              <a:buNone/>
+            </a:pPr>
+            <a:r>
+              <a:rPr lang="zh-CN" altLang="en-US" dirty="0"/>
+              <a:t>与完全句法分析以及局部句法分析不同，</a:t>
+            </a:r>
+            <a:endParaRPr lang="en-US" altLang="zh-CN" dirty="0"/>
+          </a:p>
+          <a:p>
+            <a:pPr marL="0" indent="0">
+              <a:buNone/>
+            </a:pPr>
+            <a:r>
+              <a:rPr lang="zh-CN" altLang="en-US" dirty="0"/>
+              <a:t>依存句法分析的主要任务是</a:t>
+            </a:r>
+            <a:r>
+              <a:rPr lang="zh-CN" altLang="en-US" dirty="0">
+                <a:highlight>
+                  <a:srgbClr val="000080"/>
+                </a:highlight>
+              </a:rPr>
+              <a:t>分析出词与词之间的</a:t>
+            </a:r>
+            <a:r>
+              <a:rPr lang="zh-CN" altLang="en-US" b="1" dirty="0">
+                <a:highlight>
+                  <a:srgbClr val="000080"/>
+                </a:highlight>
+              </a:rPr>
+              <a:t>依存关系</a:t>
+            </a:r>
+          </a:p>
+        </p:txBody>
+      </p:sp>
+      <p:pic>
+        <p:nvPicPr>
+          <p:cNvPr id="4" name="图片 3">
+            <a:extLst>
+              <a:ext uri="{FF2B5EF4-FFF2-40B4-BE49-F238E27FC236}">
+                <a16:creationId xmlns:a16="http://schemas.microsoft.com/office/drawing/2014/main" id="{782FEFA5-25AD-4E43-AB03-4DCC32BDF58E}"/>
+              </a:ext>
+            </a:extLst>
+          </p:cNvPr>
+          <p:cNvPicPr>
+            <a:picLocks noChangeAspect="1"/>
+          </p:cNvPicPr>
+          <p:nvPr/>
+        </p:nvPicPr>
+        <p:blipFill>
+          <a:blip r:embed="rId2"/>
+          <a:stretch>
+            <a:fillRect/>
+          </a:stretch>
+        </p:blipFill>
+        <p:spPr>
+          <a:xfrm>
+            <a:off x="680321" y="3110926"/>
+            <a:ext cx="6515100" cy="3476625"/>
+          </a:xfrm>
+          <a:prstGeom prst="rect">
+            <a:avLst/>
+          </a:prstGeom>
+        </p:spPr>
+      </p:pic>
+      <p:sp>
+        <p:nvSpPr>
+          <p:cNvPr id="6" name="文本框 5">
+            <a:extLst>
+              <a:ext uri="{FF2B5EF4-FFF2-40B4-BE49-F238E27FC236}">
+                <a16:creationId xmlns:a16="http://schemas.microsoft.com/office/drawing/2014/main" id="{C8558C24-6D1D-42E4-B62D-CCE5ABCF09D4}"/>
+              </a:ext>
+            </a:extLst>
+          </p:cNvPr>
+          <p:cNvSpPr txBox="1"/>
+          <p:nvPr/>
+        </p:nvSpPr>
+        <p:spPr>
+          <a:xfrm>
+            <a:off x="680321" y="6525576"/>
+            <a:ext cx="6096000" cy="369332"/>
+          </a:xfrm>
+          <a:prstGeom prst="rect">
+            <a:avLst/>
+          </a:prstGeom>
+          <a:noFill/>
+        </p:spPr>
+        <p:txBody>
+          <a:bodyPr wrap="square">
+            <a:spAutoFit/>
           </a:bodyPr>
           <a:lstStyle/>
           <a:p>
-            <a:pPr marL="0" indent="0">
-              <a:buNone/>
-            </a:pPr>
-            <a:br>
-              <a:rPr lang="zh-CN" altLang="en-US" dirty="0"/>
-            </a:br>
-            <a:r>
-              <a:rPr lang="zh-CN" altLang="en-US" dirty="0"/>
-              <a:t>　　</a:t>
-            </a:r>
             <a:r>
               <a:rPr lang="en-US" altLang="zh-CN" dirty="0"/>
-              <a:t>8.3.1 </a:t>
-            </a:r>
-            <a:r>
-              <a:rPr lang="zh-CN" altLang="en-US" dirty="0"/>
-              <a:t>移近一归约算法</a:t>
-            </a:r>
-            <a:br>
-              <a:rPr lang="zh-CN" altLang="en-US" dirty="0"/>
-            </a:br>
-            <a:r>
-              <a:rPr lang="zh-CN" altLang="en-US" dirty="0"/>
-              <a:t>　　</a:t>
-            </a:r>
-            <a:r>
-              <a:rPr lang="en-US" altLang="zh-CN" dirty="0"/>
-              <a:t>8.3.2 </a:t>
-            </a:r>
-            <a:r>
-              <a:rPr lang="zh-CN" altLang="en-US" dirty="0"/>
-              <a:t>欧雷分析法</a:t>
-            </a:r>
-            <a:br>
-              <a:rPr lang="zh-CN" altLang="en-US" dirty="0"/>
-            </a:br>
-            <a:r>
-              <a:rPr lang="zh-CN" altLang="en-US" dirty="0"/>
-              <a:t>　　</a:t>
-            </a:r>
-            <a:r>
-              <a:rPr lang="en-US" altLang="zh-CN" dirty="0"/>
-              <a:t>8.3.3 </a:t>
-            </a:r>
-            <a:r>
-              <a:rPr lang="zh-CN" altLang="en-US" dirty="0"/>
-              <a:t>线图分析法</a:t>
-            </a:r>
-            <a:br>
-              <a:rPr lang="zh-CN" altLang="en-US" dirty="0"/>
-            </a:br>
-            <a:r>
-              <a:rPr lang="zh-CN" altLang="en-US" dirty="0"/>
-              <a:t>　　</a:t>
-            </a:r>
-            <a:r>
-              <a:rPr lang="en-US" altLang="zh-CN" dirty="0"/>
-              <a:t>8.3.4 CYK</a:t>
-            </a:r>
-            <a:r>
-              <a:rPr lang="zh-CN" altLang="en-US" dirty="0"/>
-              <a:t>分析法</a:t>
-            </a:r>
+              <a:t>https://blog.csdn.net/echoKangYL/article/details/89230394</a:t>
+            </a:r>
+            <a:endParaRPr lang="zh-CN" altLang="en-US" dirty="0"/>
           </a:p>
         </p:txBody>
       </p:sp>
     </p:spTree>
     <p:extLst>
       <p:ext uri="{BB962C8B-B14F-4D97-AF65-F5344CB8AC3E}">
-        <p14:creationId xmlns:p14="http://schemas.microsoft.com/office/powerpoint/2010/main" val="1339424786"/>
+        <p14:creationId xmlns:p14="http://schemas.microsoft.com/office/powerpoint/2010/main" val="1429258290"/>
       </p:ext>
     </p:extLst>
   </p:cSld>
@@ -8455,7 +9081,7 @@
           <p:cNvPr id="2" name="标题 1">
             <a:extLst>
               <a:ext uri="{FF2B5EF4-FFF2-40B4-BE49-F238E27FC236}">
-                <a16:creationId xmlns:a16="http://schemas.microsoft.com/office/drawing/2014/main" id="{B1AA155A-4A36-4085-BF68-DD9783C31505}"/>
+                <a16:creationId xmlns:a16="http://schemas.microsoft.com/office/drawing/2014/main" id="{81E11F1E-55D9-48C4-AFED-925CE88D06AF}"/>
               </a:ext>
             </a:extLst>
           </p:cNvPr>
@@ -8472,14 +9098,9 @@
           <a:lstStyle/>
           <a:p>
             <a:r>
-              <a:rPr lang="en-US" altLang="zh-CN" dirty="0"/>
-              <a:t>8.4 </a:t>
-            </a:r>
-            <a:r>
               <a:rPr lang="zh-CN" altLang="en-US" dirty="0"/>
-              <a:t>概率上下文无关文法</a:t>
-            </a:r>
-            <a:endParaRPr lang="zh-CN" altLang="en-US" b="1" dirty="0"/>
+              <a:t>依存句法分析方法</a:t>
+            </a:r>
           </a:p>
         </p:txBody>
       </p:sp>
@@ -8488,7 +9109,7 @@
           <p:cNvPr id="3" name="内容占位符 2">
             <a:extLst>
               <a:ext uri="{FF2B5EF4-FFF2-40B4-BE49-F238E27FC236}">
-                <a16:creationId xmlns:a16="http://schemas.microsoft.com/office/drawing/2014/main" id="{81B33DC0-BF5D-412E-AF38-E6D4F60B9A29}"/>
+                <a16:creationId xmlns:a16="http://schemas.microsoft.com/office/drawing/2014/main" id="{DD860611-628E-403E-8A20-2F07140FB51C}"/>
               </a:ext>
             </a:extLst>
           </p:cNvPr>
@@ -8502,24 +9123,177 @@
         <p:spPr>
           <a:xfrm>
             <a:off x="680321" y="2336873"/>
-            <a:ext cx="9613861" cy="4115808"/>
+            <a:ext cx="9613861" cy="4044472"/>
           </a:xfrm>
         </p:spPr>
         <p:txBody>
           <a:bodyPr>
-            <a:noAutofit/>
+            <a:normAutofit lnSpcReduction="10000"/>
           </a:bodyPr>
           <a:lstStyle/>
           <a:p>
             <a:pPr marL="0" indent="0">
               <a:buNone/>
             </a:pPr>
-            <a:br>
+            <a:r>
               <a:rPr lang="zh-CN" altLang="en-US" dirty="0"/>
-            </a:br>
-            <a:br>
+              <a:t>目前，依存句法分析主要是在大规模训练语料的基础上</a:t>
+            </a:r>
+            <a:endParaRPr lang="en-US" altLang="zh-CN" dirty="0"/>
+          </a:p>
+          <a:p>
+            <a:pPr marL="0" indent="0">
+              <a:buNone/>
+            </a:pPr>
+            <a:r>
               <a:rPr lang="zh-CN" altLang="en-US" dirty="0"/>
-            </a:br>
+              <a:t>用机器学习的方法（数据驱动方法）得到依存句法分析器。</a:t>
+            </a:r>
+          </a:p>
+          <a:p>
+            <a:pPr marL="0" indent="0">
+              <a:buNone/>
+            </a:pPr>
+            <a:endParaRPr lang="zh-CN" altLang="en-US" dirty="0"/>
+          </a:p>
+          <a:p>
+            <a:pPr marL="0" indent="0">
+              <a:buNone/>
+            </a:pPr>
+            <a:r>
+              <a:rPr lang="zh-CN" altLang="en-US" dirty="0"/>
+              <a:t>数据驱动的依存句法分析方法主要有两种主流方法：</a:t>
+            </a:r>
+          </a:p>
+          <a:p>
+            <a:pPr marL="457200" lvl="1" indent="0">
+              <a:buNone/>
+            </a:pPr>
+            <a:r>
+              <a:rPr lang="en-US" altLang="zh-CN" dirty="0">
+                <a:highlight>
+                  <a:srgbClr val="000080"/>
+                </a:highlight>
+              </a:rPr>
+              <a:t>1.</a:t>
+            </a:r>
+            <a:r>
+              <a:rPr lang="zh-CN" altLang="en-US" dirty="0">
+                <a:highlight>
+                  <a:srgbClr val="000080"/>
+                </a:highlight>
+              </a:rPr>
+              <a:t>基于图（</a:t>
+            </a:r>
+            <a:r>
+              <a:rPr lang="en-US" altLang="zh-CN" dirty="0">
+                <a:highlight>
+                  <a:srgbClr val="000080"/>
+                </a:highlight>
+              </a:rPr>
+              <a:t>graph-based</a:t>
+            </a:r>
+            <a:r>
+              <a:rPr lang="zh-CN" altLang="en-US" dirty="0">
+                <a:highlight>
+                  <a:srgbClr val="000080"/>
+                </a:highlight>
+              </a:rPr>
+              <a:t>） 的依存句法分析方法</a:t>
+            </a:r>
+          </a:p>
+          <a:p>
+            <a:pPr marL="457200" lvl="1" indent="0">
+              <a:buNone/>
+            </a:pPr>
+            <a:r>
+              <a:rPr lang="zh-CN" altLang="en-US" dirty="0"/>
+              <a:t>将依存句法分析问题看成从完全有向图中寻找最大生成树的问题。</a:t>
+            </a:r>
+          </a:p>
+          <a:p>
+            <a:pPr marL="457200" lvl="1" indent="0">
+              <a:buNone/>
+            </a:pPr>
+            <a:r>
+              <a:rPr lang="en-US" altLang="zh-CN" dirty="0">
+                <a:highlight>
+                  <a:srgbClr val="000080"/>
+                </a:highlight>
+              </a:rPr>
+              <a:t>2.</a:t>
+            </a:r>
+            <a:r>
+              <a:rPr lang="zh-CN" altLang="en-US" dirty="0">
+                <a:highlight>
+                  <a:srgbClr val="000080"/>
+                </a:highlight>
+              </a:rPr>
+              <a:t>基于转移（</a:t>
+            </a:r>
+            <a:r>
+              <a:rPr lang="en-US" altLang="zh-CN" dirty="0">
+                <a:highlight>
+                  <a:srgbClr val="000080"/>
+                </a:highlight>
+              </a:rPr>
+              <a:t>transition-based</a:t>
+            </a:r>
+            <a:r>
+              <a:rPr lang="zh-CN" altLang="en-US" dirty="0">
+                <a:highlight>
+                  <a:srgbClr val="000080"/>
+                </a:highlight>
+              </a:rPr>
+              <a:t>） 的依存句法分析方法</a:t>
+            </a:r>
+          </a:p>
+          <a:p>
+            <a:pPr marL="457200" lvl="1" indent="0">
+              <a:buNone/>
+            </a:pPr>
+            <a:r>
+              <a:rPr lang="zh-CN" altLang="en-US" dirty="0"/>
+              <a:t>将依存树的构成过程建模为一个动作序列，</a:t>
+            </a:r>
+            <a:endParaRPr lang="en-US" altLang="zh-CN" dirty="0"/>
+          </a:p>
+          <a:p>
+            <a:pPr marL="457200" lvl="1" indent="0">
+              <a:buNone/>
+            </a:pPr>
+            <a:r>
+              <a:rPr lang="zh-CN" altLang="en-US" dirty="0"/>
+              <a:t>将依存分析问题转化为寻找最优动作序列的问题。</a:t>
+            </a:r>
+            <a:endParaRPr lang="en-US" altLang="zh-CN" dirty="0"/>
+          </a:p>
+          <a:p>
+            <a:pPr marL="457200" lvl="1" indent="0">
+              <a:buNone/>
+            </a:pPr>
+            <a:endParaRPr lang="en-US" altLang="zh-CN" dirty="0"/>
+          </a:p>
+          <a:p>
+            <a:pPr marL="0" indent="0">
+              <a:buNone/>
+            </a:pPr>
+            <a:r>
+              <a:rPr lang="zh-CN" altLang="en-US" dirty="0"/>
+              <a:t>基于神经网络的依存句法分析</a:t>
+            </a:r>
+            <a:endParaRPr lang="en-US" altLang="zh-CN" dirty="0"/>
+          </a:p>
+          <a:p>
+            <a:pPr marL="457200" lvl="1" indent="0">
+              <a:buNone/>
+            </a:pPr>
+            <a:endParaRPr lang="en-US" altLang="zh-CN" dirty="0"/>
+          </a:p>
+          <a:p>
+            <a:pPr marL="457200" lvl="1" indent="0">
+              <a:buNone/>
+            </a:pPr>
             <a:endParaRPr lang="zh-CN" altLang="en-US" dirty="0"/>
           </a:p>
         </p:txBody>
@@ -8527,7 +9301,7 @@
     </p:spTree>
     <p:extLst>
       <p:ext uri="{BB962C8B-B14F-4D97-AF65-F5344CB8AC3E}">
-        <p14:creationId xmlns:p14="http://schemas.microsoft.com/office/powerpoint/2010/main" val="445587762"/>
+        <p14:creationId xmlns:p14="http://schemas.microsoft.com/office/powerpoint/2010/main" val="1487361317"/>
       </p:ext>
     </p:extLst>
   </p:cSld>
@@ -8559,7 +9333,7 @@
           <p:cNvPr id="2" name="标题 1">
             <a:extLst>
               <a:ext uri="{FF2B5EF4-FFF2-40B4-BE49-F238E27FC236}">
-                <a16:creationId xmlns:a16="http://schemas.microsoft.com/office/drawing/2014/main" id="{B1AA155A-4A36-4085-BF68-DD9783C31505}"/>
+                <a16:creationId xmlns:a16="http://schemas.microsoft.com/office/drawing/2014/main" id="{08FB705D-B260-4A83-9297-CA0F5C026463}"/>
               </a:ext>
             </a:extLst>
           </p:cNvPr>
@@ -8576,100 +9350,134 @@
           <a:lstStyle/>
           <a:p>
             <a:r>
+              <a:rPr lang="zh-CN" altLang="en-US" dirty="0"/>
+              <a:t>中文信息处理发展报告</a:t>
+            </a:r>
+            <a:r>
+              <a:rPr lang="en-US" altLang="zh-CN" sz="2000" dirty="0"/>
+              <a:t>2016</a:t>
+            </a:r>
+            <a:r>
+              <a:rPr lang="zh-CN" altLang="en-US" dirty="0"/>
+              <a:t> </a:t>
+            </a:r>
+            <a:r>
               <a:rPr lang="en-US" altLang="zh-CN" dirty="0"/>
-              <a:t>8.5 </a:t>
+              <a:t>– </a:t>
             </a:r>
             <a:r>
               <a:rPr lang="zh-CN" altLang="en-US" dirty="0"/>
-              <a:t>浅层句法分析</a:t>
-            </a:r>
-            <a:endParaRPr lang="zh-CN" altLang="en-US" b="1" dirty="0"/>
-          </a:p>
-        </p:txBody>
-      </p:sp>
-      <p:sp>
-        <p:nvSpPr>
-          <p:cNvPr id="3" name="内容占位符 2">
+              <a:t>句法分析发展现状</a:t>
+            </a:r>
+          </a:p>
+        </p:txBody>
+      </p:sp>
+      <p:pic>
+        <p:nvPicPr>
+          <p:cNvPr id="4" name="图片 3">
             <a:extLst>
               <a:ext uri="{FF2B5EF4-FFF2-40B4-BE49-F238E27FC236}">
-                <a16:creationId xmlns:a16="http://schemas.microsoft.com/office/drawing/2014/main" id="{81B33DC0-BF5D-412E-AF38-E6D4F60B9A29}"/>
+                <a16:creationId xmlns:a16="http://schemas.microsoft.com/office/drawing/2014/main" id="{9A4F0D0F-A322-471C-8423-85C9ADB94031}"/>
               </a:ext>
             </a:extLst>
           </p:cNvPr>
-          <p:cNvSpPr>
-            <a:spLocks noGrp="1"/>
-          </p:cNvSpPr>
-          <p:nvPr>
-            <p:ph idx="1"/>
-          </p:nvPr>
-        </p:nvSpPr>
-        <p:spPr>
-          <a:xfrm>
-            <a:off x="680321" y="2336873"/>
-            <a:ext cx="9613861" cy="4115808"/>
-          </a:xfrm>
-        </p:spPr>
-        <p:txBody>
-          <a:bodyPr>
-            <a:noAutofit/>
+          <p:cNvPicPr>
+            <a:picLocks noChangeAspect="1"/>
+          </p:cNvPicPr>
+          <p:nvPr/>
+        </p:nvPicPr>
+        <p:blipFill>
+          <a:blip r:embed="rId2"/>
+          <a:stretch>
+            <a:fillRect/>
+          </a:stretch>
+        </p:blipFill>
+        <p:spPr>
+          <a:xfrm>
+            <a:off x="680321" y="2070370"/>
+            <a:ext cx="9077325" cy="3962400"/>
+          </a:xfrm>
+          <a:prstGeom prst="rect">
+            <a:avLst/>
+          </a:prstGeom>
+        </p:spPr>
+      </p:pic>
+      <p:sp>
+        <p:nvSpPr>
+          <p:cNvPr id="8" name="文本框 7">
+            <a:extLst>
+              <a:ext uri="{FF2B5EF4-FFF2-40B4-BE49-F238E27FC236}">
+                <a16:creationId xmlns:a16="http://schemas.microsoft.com/office/drawing/2014/main" id="{8F624D66-CF35-48EC-80DF-C076A0BE0DC4}"/>
+              </a:ext>
+            </a:extLst>
+          </p:cNvPr>
+          <p:cNvSpPr txBox="1"/>
+          <p:nvPr/>
+        </p:nvSpPr>
+        <p:spPr>
+          <a:xfrm>
+            <a:off x="680321" y="6032770"/>
+            <a:ext cx="6096000" cy="369332"/>
+          </a:xfrm>
+          <a:prstGeom prst="rect">
+            <a:avLst/>
+          </a:prstGeom>
+          <a:noFill/>
+        </p:spPr>
+        <p:txBody>
+          <a:bodyPr wrap="square">
+            <a:spAutoFit/>
           </a:bodyPr>
           <a:lstStyle/>
           <a:p>
-            <a:pPr marL="0" indent="0">
-              <a:buNone/>
-            </a:pPr>
-            <a:br>
-              <a:rPr lang="zh-CN" altLang="en-US" dirty="0"/>
-            </a:br>
-            <a:r>
-              <a:rPr lang="zh-CN" altLang="en-US" dirty="0"/>
-              <a:t>　　</a:t>
-            </a:r>
             <a:r>
               <a:rPr lang="en-US" altLang="zh-CN" dirty="0"/>
-              <a:t>8.5.1 </a:t>
-            </a:r>
-            <a:r>
-              <a:rPr lang="zh-CN" altLang="en-US" dirty="0"/>
-              <a:t>问题的提出</a:t>
-            </a:r>
-            <a:br>
-              <a:rPr lang="zh-CN" altLang="en-US" dirty="0"/>
-            </a:br>
-            <a:r>
-              <a:rPr lang="zh-CN" altLang="en-US" dirty="0"/>
-              <a:t>　　</a:t>
-            </a:r>
+              <a:t>http://cips-upload.bj.bcebos.com/cips2016.pdf</a:t>
+            </a:r>
+            <a:endParaRPr lang="zh-CN" altLang="en-US" dirty="0"/>
+          </a:p>
+        </p:txBody>
+      </p:sp>
+      <p:sp>
+        <p:nvSpPr>
+          <p:cNvPr id="10" name="文本框 9">
+            <a:extLst>
+              <a:ext uri="{FF2B5EF4-FFF2-40B4-BE49-F238E27FC236}">
+                <a16:creationId xmlns:a16="http://schemas.microsoft.com/office/drawing/2014/main" id="{44EF51C6-2597-47F9-892B-E4EB059ECCE9}"/>
+              </a:ext>
+            </a:extLst>
+          </p:cNvPr>
+          <p:cNvSpPr txBox="1"/>
+          <p:nvPr/>
+        </p:nvSpPr>
+        <p:spPr>
+          <a:xfrm>
+            <a:off x="680321" y="6350009"/>
+            <a:ext cx="8483134" cy="369332"/>
+          </a:xfrm>
+          <a:prstGeom prst="rect">
+            <a:avLst/>
+          </a:prstGeom>
+          <a:noFill/>
+        </p:spPr>
+        <p:txBody>
+          <a:bodyPr wrap="square">
+            <a:spAutoFit/>
+          </a:bodyPr>
+          <a:lstStyle/>
+          <a:p>
             <a:r>
               <a:rPr lang="en-US" altLang="zh-CN" dirty="0"/>
-              <a:t>8.5.2 </a:t>
-            </a:r>
-            <a:r>
-              <a:rPr lang="zh-CN" altLang="en-US" dirty="0"/>
-              <a:t>基于规则的方法</a:t>
-            </a:r>
-            <a:br>
-              <a:rPr lang="zh-CN" altLang="en-US" dirty="0"/>
-            </a:br>
-            <a:r>
-              <a:rPr lang="zh-CN" altLang="en-US" dirty="0"/>
-              <a:t>　　</a:t>
-            </a:r>
-            <a:r>
-              <a:rPr lang="en-US" altLang="zh-CN" dirty="0"/>
-              <a:t>8.5.3 </a:t>
-            </a:r>
-            <a:r>
-              <a:rPr lang="zh-CN" altLang="en-US" dirty="0"/>
-              <a:t>基于统计的方法</a:t>
-            </a:r>
+              <a:t>https://blog.csdn.net/sinat_26917383/article/details/55682996</a:t>
+            </a:r>
+            <a:endParaRPr lang="zh-CN" altLang="en-US" dirty="0"/>
           </a:p>
         </p:txBody>
       </p:sp>
     </p:spTree>
     <p:extLst>
       <p:ext uri="{BB962C8B-B14F-4D97-AF65-F5344CB8AC3E}">
-        <p14:creationId xmlns:p14="http://schemas.microsoft.com/office/powerpoint/2010/main" val="1252418950"/>
+        <p14:creationId xmlns:p14="http://schemas.microsoft.com/office/powerpoint/2010/main" val="367808309"/>
       </p:ext>
     </p:extLst>
   </p:cSld>
@@ -8701,6 +9509,136 @@
           <p:cNvPr id="2" name="标题 1">
             <a:extLst>
               <a:ext uri="{FF2B5EF4-FFF2-40B4-BE49-F238E27FC236}">
+                <a16:creationId xmlns:a16="http://schemas.microsoft.com/office/drawing/2014/main" id="{94E838BB-B6AB-42F4-ADB7-E330691C3598}"/>
+              </a:ext>
+            </a:extLst>
+          </p:cNvPr>
+          <p:cNvSpPr>
+            <a:spLocks noGrp="1"/>
+          </p:cNvSpPr>
+          <p:nvPr>
+            <p:ph type="title"/>
+          </p:nvPr>
+        </p:nvSpPr>
+        <p:spPr/>
+        <p:txBody>
+          <a:bodyPr/>
+          <a:lstStyle/>
+          <a:p>
+            <a:r>
+              <a:rPr lang="en-US" altLang="zh-CN" dirty="0" err="1"/>
+              <a:t>HanLP</a:t>
+            </a:r>
+            <a:r>
+              <a:rPr lang="zh-CN" altLang="en-US" dirty="0"/>
+              <a:t>、</a:t>
+            </a:r>
+            <a:r>
+              <a:rPr lang="en-US" altLang="zh-CN" dirty="0"/>
+              <a:t>LTP </a:t>
+            </a:r>
+            <a:r>
+              <a:rPr lang="zh-CN" altLang="en-US" dirty="0"/>
+              <a:t>句法分析在线演示</a:t>
+            </a:r>
+          </a:p>
+        </p:txBody>
+      </p:sp>
+      <p:pic>
+        <p:nvPicPr>
+          <p:cNvPr id="5" name="图片 4">
+            <a:extLst>
+              <a:ext uri="{FF2B5EF4-FFF2-40B4-BE49-F238E27FC236}">
+                <a16:creationId xmlns:a16="http://schemas.microsoft.com/office/drawing/2014/main" id="{FE049CA1-5F81-466F-9004-2B379532A921}"/>
+              </a:ext>
+            </a:extLst>
+          </p:cNvPr>
+          <p:cNvPicPr>
+            <a:picLocks noChangeAspect="1"/>
+          </p:cNvPicPr>
+          <p:nvPr/>
+        </p:nvPicPr>
+        <p:blipFill>
+          <a:blip r:embed="rId2"/>
+          <a:stretch>
+            <a:fillRect/>
+          </a:stretch>
+        </p:blipFill>
+        <p:spPr>
+          <a:xfrm>
+            <a:off x="680320" y="4413352"/>
+            <a:ext cx="9381573" cy="2292247"/>
+          </a:xfrm>
+          <a:prstGeom prst="rect">
+            <a:avLst/>
+          </a:prstGeom>
+        </p:spPr>
+      </p:pic>
+      <p:pic>
+        <p:nvPicPr>
+          <p:cNvPr id="7" name="图片 6">
+            <a:extLst>
+              <a:ext uri="{FF2B5EF4-FFF2-40B4-BE49-F238E27FC236}">
+                <a16:creationId xmlns:a16="http://schemas.microsoft.com/office/drawing/2014/main" id="{CF584519-82D9-4C12-A9C9-20E1AEC76CC3}"/>
+              </a:ext>
+            </a:extLst>
+          </p:cNvPr>
+          <p:cNvPicPr>
+            <a:picLocks noChangeAspect="1"/>
+          </p:cNvPicPr>
+          <p:nvPr/>
+        </p:nvPicPr>
+        <p:blipFill>
+          <a:blip r:embed="rId3"/>
+          <a:stretch>
+            <a:fillRect/>
+          </a:stretch>
+        </p:blipFill>
+        <p:spPr>
+          <a:xfrm>
+            <a:off x="680320" y="2162796"/>
+            <a:ext cx="9381574" cy="2091434"/>
+          </a:xfrm>
+          <a:prstGeom prst="rect">
+            <a:avLst/>
+          </a:prstGeom>
+        </p:spPr>
+      </p:pic>
+    </p:spTree>
+    <p:extLst>
+      <p:ext uri="{BB962C8B-B14F-4D97-AF65-F5344CB8AC3E}">
+        <p14:creationId xmlns:p14="http://schemas.microsoft.com/office/powerpoint/2010/main" val="3582909686"/>
+      </p:ext>
+    </p:extLst>
+  </p:cSld>
+  <p:clrMapOvr>
+    <a:masterClrMapping/>
+  </p:clrMapOvr>
+</p:sld>
+</file>
+
+<file path=ppt/slides/slide9.xml><?xml version="1.0" encoding="utf-8"?>
+<p:sld xmlns:a="http://schemas.openxmlformats.org/drawingml/2006/main" xmlns:r="http://schemas.openxmlformats.org/officeDocument/2006/relationships" xmlns:p="http://schemas.openxmlformats.org/presentationml/2006/main">
+  <p:cSld>
+    <p:spTree>
+      <p:nvGrpSpPr>
+        <p:cNvPr id="1" name=""/>
+        <p:cNvGrpSpPr/>
+        <p:nvPr/>
+      </p:nvGrpSpPr>
+      <p:grpSpPr>
+        <a:xfrm>
+          <a:off x="0" y="0"/>
+          <a:ext cx="0" cy="0"/>
+          <a:chOff x="0" y="0"/>
+          <a:chExt cx="0" cy="0"/>
+        </a:xfrm>
+      </p:grpSpPr>
+      <p:sp>
+        <p:nvSpPr>
+          <p:cNvPr id="2" name="标题 1">
+            <a:extLst>
+              <a:ext uri="{FF2B5EF4-FFF2-40B4-BE49-F238E27FC236}">
                 <a16:creationId xmlns:a16="http://schemas.microsoft.com/office/drawing/2014/main" id="{B1AA155A-4A36-4085-BF68-DD9783C31505}"/>
               </a:ext>
             </a:extLst>
@@ -8718,14 +9656,25 @@
           <a:lstStyle/>
           <a:p>
             <a:r>
-              <a:rPr lang="en-US" altLang="zh-CN" dirty="0"/>
-              <a:t>8.6 </a:t>
-            </a:r>
-            <a:r>
-              <a:rPr lang="zh-CN" altLang="en-US" dirty="0"/>
-              <a:t>句法分析系统评测</a:t>
-            </a:r>
-            <a:endParaRPr lang="zh-CN" altLang="en-US" b="1" dirty="0"/>
+              <a:rPr lang="zh-CN" altLang="en-US" b="1" dirty="0"/>
+              <a:t>第</a:t>
+            </a:r>
+            <a:r>
+              <a:rPr lang="en-US" altLang="zh-CN" b="1" dirty="0"/>
+              <a:t>8</a:t>
+            </a:r>
+            <a:r>
+              <a:rPr lang="zh-CN" altLang="en-US" b="1" dirty="0"/>
+              <a:t>章 句法分析（教材 </a:t>
+            </a:r>
+            <a:r>
+              <a:rPr lang="en-US" altLang="zh-CN" b="1" dirty="0"/>
+              <a:t>vs </a:t>
+            </a:r>
+            <a:r>
+              <a:rPr lang="zh-CN" altLang="en-US" b="1" dirty="0"/>
+              <a:t>教参）</a:t>
+            </a:r>
           </a:p>
         </p:txBody>
       </p:sp>
@@ -8747,8 +9696,8 @@
         </p:nvSpPr>
         <p:spPr>
           <a:xfrm>
-            <a:off x="680321" y="2336873"/>
-            <a:ext cx="9613861" cy="4115808"/>
+            <a:off x="680321" y="2120630"/>
+            <a:ext cx="9613861" cy="4559030"/>
           </a:xfrm>
         </p:spPr>
         <p:txBody>
@@ -8760,17 +9709,136 @@
             <a:pPr marL="0" indent="0">
               <a:buNone/>
             </a:pPr>
+            <a:r>
+              <a:rPr lang="en-US" altLang="zh-CN" dirty="0"/>
+              <a:t>8.1 </a:t>
+            </a:r>
+            <a:r>
+              <a:rPr lang="zh-CN" altLang="en-US" dirty="0"/>
+              <a:t>文法的表示</a:t>
+            </a:r>
+            <a:endParaRPr lang="en-US" altLang="zh-CN" dirty="0"/>
+          </a:p>
+          <a:p>
+            <a:pPr marL="0" indent="0">
+              <a:buNone/>
+            </a:pPr>
             <a:br>
               <a:rPr lang="zh-CN" altLang="en-US" dirty="0"/>
             </a:br>
-            <a:endParaRPr lang="zh-CN" altLang="en-US" dirty="0"/>
-          </a:p>
-        </p:txBody>
-      </p:sp>
+            <a:r>
+              <a:rPr lang="en-US" altLang="zh-CN" dirty="0"/>
+              <a:t>8.2 </a:t>
+            </a:r>
+            <a:r>
+              <a:rPr lang="zh-CN" altLang="en-US" dirty="0"/>
+              <a:t>自顶向下的句法分析</a:t>
+            </a:r>
+            <a:endParaRPr lang="en-US" altLang="zh-CN" dirty="0"/>
+          </a:p>
+          <a:p>
+            <a:pPr marL="0" indent="0">
+              <a:buNone/>
+            </a:pPr>
+            <a:br>
+              <a:rPr lang="zh-CN" altLang="en-US" dirty="0"/>
+            </a:br>
+            <a:r>
+              <a:rPr lang="en-US" altLang="zh-CN" dirty="0"/>
+              <a:t>8.3 </a:t>
+            </a:r>
+            <a:r>
+              <a:rPr lang="zh-CN" altLang="en-US" dirty="0"/>
+              <a:t>自底向上的句法分析</a:t>
+            </a:r>
+            <a:endParaRPr lang="en-US" altLang="zh-CN" dirty="0"/>
+          </a:p>
+          <a:p>
+            <a:pPr marL="0" indent="0">
+              <a:buNone/>
+            </a:pPr>
+            <a:br>
+              <a:rPr lang="zh-CN" altLang="en-US" dirty="0"/>
+            </a:br>
+            <a:r>
+              <a:rPr lang="en-US" altLang="zh-CN" dirty="0"/>
+              <a:t>8.4 </a:t>
+            </a:r>
+            <a:r>
+              <a:rPr lang="zh-CN" altLang="en-US" dirty="0"/>
+              <a:t>概率上下文无关文法</a:t>
+            </a:r>
+            <a:endParaRPr lang="en-US" altLang="zh-CN" dirty="0"/>
+          </a:p>
+          <a:p>
+            <a:pPr marL="0" indent="0">
+              <a:buNone/>
+            </a:pPr>
+            <a:br>
+              <a:rPr lang="zh-CN" altLang="en-US" dirty="0"/>
+            </a:br>
+            <a:r>
+              <a:rPr lang="en-US" altLang="zh-CN" dirty="0"/>
+              <a:t>8.5 </a:t>
+            </a:r>
+            <a:r>
+              <a:rPr lang="zh-CN" altLang="en-US" dirty="0"/>
+              <a:t>浅层句法分析</a:t>
+            </a:r>
+            <a:endParaRPr lang="en-US" altLang="zh-CN" dirty="0"/>
+          </a:p>
+          <a:p>
+            <a:pPr marL="0" indent="0">
+              <a:buNone/>
+            </a:pPr>
+            <a:br>
+              <a:rPr lang="zh-CN" altLang="en-US" dirty="0"/>
+            </a:br>
+            <a:r>
+              <a:rPr lang="en-US" altLang="zh-CN" dirty="0"/>
+              <a:t>8.6 </a:t>
+            </a:r>
+            <a:r>
+              <a:rPr lang="zh-CN" altLang="en-US" dirty="0"/>
+              <a:t>句法分析系统评测</a:t>
+            </a:r>
+          </a:p>
+        </p:txBody>
+      </p:sp>
+      <p:pic>
+        <p:nvPicPr>
+          <p:cNvPr id="5" name="图片 4">
+            <a:extLst>
+              <a:ext uri="{FF2B5EF4-FFF2-40B4-BE49-F238E27FC236}">
+                <a16:creationId xmlns:a16="http://schemas.microsoft.com/office/drawing/2014/main" id="{66CCB4CA-3E44-4FC5-BFA3-58160316D86E}"/>
+              </a:ext>
+            </a:extLst>
+          </p:cNvPr>
+          <p:cNvPicPr>
+            <a:picLocks noChangeAspect="1"/>
+          </p:cNvPicPr>
+          <p:nvPr/>
+        </p:nvPicPr>
+        <p:blipFill>
+          <a:blip r:embed="rId2"/>
+          <a:stretch>
+            <a:fillRect/>
+          </a:stretch>
+        </p:blipFill>
+        <p:spPr>
+          <a:xfrm>
+            <a:off x="6197867" y="2120630"/>
+            <a:ext cx="3763256" cy="4472779"/>
+          </a:xfrm>
+          <a:prstGeom prst="rect">
+            <a:avLst/>
+          </a:prstGeom>
+        </p:spPr>
+      </p:pic>
     </p:spTree>
     <p:extLst>
       <p:ext uri="{BB962C8B-B14F-4D97-AF65-F5344CB8AC3E}">
-        <p14:creationId xmlns:p14="http://schemas.microsoft.com/office/powerpoint/2010/main" val="3231684724"/>
+        <p14:creationId xmlns:p14="http://schemas.microsoft.com/office/powerpoint/2010/main" val="1133975145"/>
       </p:ext>
     </p:extLst>
   </p:cSld>
